--- a/H_BimNote/화면정의서_.pptx
+++ b/H_BimNote/화면정의서_.pptx
@@ -34,6 +34,7 @@
     <p:sldId id="283" r:id="rId28"/>
     <p:sldId id="285" r:id="rId29"/>
     <p:sldId id="284" r:id="rId30"/>
+    <p:sldId id="286" r:id="rId31"/>
   </p:sldIdLst>
   <p:sldSz cx="12192000" cy="6858000"/>
   <p:notesSz cx="6858000" cy="9144000"/>
@@ -287,7 +288,7 @@
           <a:p>
             <a:fld id="{9DC0FBBE-1B54-474B-A1EF-57FEDE0B6A08}" type="datetimeFigureOut">
               <a:rPr lang="ko-KR" altLang="en-US" smtClean="0"/>
-              <a:t>2025-01-09</a:t>
+              <a:t>2025-01-10</a:t>
             </a:fld>
             <a:endParaRPr lang="ko-KR" altLang="en-US"/>
           </a:p>
@@ -485,7 +486,7 @@
           <a:p>
             <a:fld id="{9DC0FBBE-1B54-474B-A1EF-57FEDE0B6A08}" type="datetimeFigureOut">
               <a:rPr lang="ko-KR" altLang="en-US" smtClean="0"/>
-              <a:t>2025-01-09</a:t>
+              <a:t>2025-01-10</a:t>
             </a:fld>
             <a:endParaRPr lang="ko-KR" altLang="en-US"/>
           </a:p>
@@ -693,7 +694,7 @@
           <a:p>
             <a:fld id="{9DC0FBBE-1B54-474B-A1EF-57FEDE0B6A08}" type="datetimeFigureOut">
               <a:rPr lang="ko-KR" altLang="en-US" smtClean="0"/>
-              <a:t>2025-01-09</a:t>
+              <a:t>2025-01-10</a:t>
             </a:fld>
             <a:endParaRPr lang="ko-KR" altLang="en-US"/>
           </a:p>
@@ -891,7 +892,7 @@
           <a:p>
             <a:fld id="{9DC0FBBE-1B54-474B-A1EF-57FEDE0B6A08}" type="datetimeFigureOut">
               <a:rPr lang="ko-KR" altLang="en-US" smtClean="0"/>
-              <a:t>2025-01-09</a:t>
+              <a:t>2025-01-10</a:t>
             </a:fld>
             <a:endParaRPr lang="ko-KR" altLang="en-US"/>
           </a:p>
@@ -1166,7 +1167,7 @@
           <a:p>
             <a:fld id="{9DC0FBBE-1B54-474B-A1EF-57FEDE0B6A08}" type="datetimeFigureOut">
               <a:rPr lang="ko-KR" altLang="en-US" smtClean="0"/>
-              <a:t>2025-01-09</a:t>
+              <a:t>2025-01-10</a:t>
             </a:fld>
             <a:endParaRPr lang="ko-KR" altLang="en-US"/>
           </a:p>
@@ -1431,7 +1432,7 @@
           <a:p>
             <a:fld id="{9DC0FBBE-1B54-474B-A1EF-57FEDE0B6A08}" type="datetimeFigureOut">
               <a:rPr lang="ko-KR" altLang="en-US" smtClean="0"/>
-              <a:t>2025-01-09</a:t>
+              <a:t>2025-01-10</a:t>
             </a:fld>
             <a:endParaRPr lang="ko-KR" altLang="en-US"/>
           </a:p>
@@ -1843,7 +1844,7 @@
           <a:p>
             <a:fld id="{9DC0FBBE-1B54-474B-A1EF-57FEDE0B6A08}" type="datetimeFigureOut">
               <a:rPr lang="ko-KR" altLang="en-US" smtClean="0"/>
-              <a:t>2025-01-09</a:t>
+              <a:t>2025-01-10</a:t>
             </a:fld>
             <a:endParaRPr lang="ko-KR" altLang="en-US"/>
           </a:p>
@@ -1984,7 +1985,7 @@
           <a:p>
             <a:fld id="{9DC0FBBE-1B54-474B-A1EF-57FEDE0B6A08}" type="datetimeFigureOut">
               <a:rPr lang="ko-KR" altLang="en-US" smtClean="0"/>
-              <a:t>2025-01-09</a:t>
+              <a:t>2025-01-10</a:t>
             </a:fld>
             <a:endParaRPr lang="ko-KR" altLang="en-US"/>
           </a:p>
@@ -2097,7 +2098,7 @@
           <a:p>
             <a:fld id="{9DC0FBBE-1B54-474B-A1EF-57FEDE0B6A08}" type="datetimeFigureOut">
               <a:rPr lang="ko-KR" altLang="en-US" smtClean="0"/>
-              <a:t>2025-01-09</a:t>
+              <a:t>2025-01-10</a:t>
             </a:fld>
             <a:endParaRPr lang="ko-KR" altLang="en-US"/>
           </a:p>
@@ -2408,7 +2409,7 @@
           <a:p>
             <a:fld id="{9DC0FBBE-1B54-474B-A1EF-57FEDE0B6A08}" type="datetimeFigureOut">
               <a:rPr lang="ko-KR" altLang="en-US" smtClean="0"/>
-              <a:t>2025-01-09</a:t>
+              <a:t>2025-01-10</a:t>
             </a:fld>
             <a:endParaRPr lang="ko-KR" altLang="en-US"/>
           </a:p>
@@ -2696,7 +2697,7 @@
           <a:p>
             <a:fld id="{9DC0FBBE-1B54-474B-A1EF-57FEDE0B6A08}" type="datetimeFigureOut">
               <a:rPr lang="ko-KR" altLang="en-US" smtClean="0"/>
-              <a:t>2025-01-09</a:t>
+              <a:t>2025-01-10</a:t>
             </a:fld>
             <a:endParaRPr lang="ko-KR" altLang="en-US"/>
           </a:p>
@@ -2937,7 +2938,7 @@
           <a:p>
             <a:fld id="{9DC0FBBE-1B54-474B-A1EF-57FEDE0B6A08}" type="datetimeFigureOut">
               <a:rPr lang="ko-KR" altLang="en-US" smtClean="0"/>
-              <a:t>2025-01-09</a:t>
+              <a:t>2025-01-10</a:t>
             </a:fld>
             <a:endParaRPr lang="ko-KR" altLang="en-US"/>
           </a:p>
@@ -33397,6 +33398,442 @@
 </p:sld>
 </file>
 
+<file path=ppt/slides/slide30.xml><?xml version="1.0" encoding="utf-8"?>
+<p:sld xmlns:a="http://schemas.openxmlformats.org/drawingml/2006/main" xmlns:r="http://schemas.openxmlformats.org/officeDocument/2006/relationships" xmlns:p="http://schemas.openxmlformats.org/presentationml/2006/main">
+  <p:cSld>
+    <p:spTree>
+      <p:nvGrpSpPr>
+        <p:cNvPr id="1" name=""/>
+        <p:cNvGrpSpPr/>
+        <p:nvPr/>
+      </p:nvGrpSpPr>
+      <p:grpSpPr>
+        <a:xfrm>
+          <a:off x="0" y="0"/>
+          <a:ext cx="0" cy="0"/>
+          <a:chOff x="0" y="0"/>
+          <a:chExt cx="0" cy="0"/>
+        </a:xfrm>
+      </p:grpSpPr>
+      <p:pic>
+        <p:nvPicPr>
+          <p:cNvPr id="5" name="그림 4">
+            <a:extLst>
+              <a:ext uri="{FF2B5EF4-FFF2-40B4-BE49-F238E27FC236}">
+                <a16:creationId xmlns:a16="http://schemas.microsoft.com/office/drawing/2014/main" id="{DAED4372-F02A-6CB4-5AB4-92B1EF8E7996}"/>
+              </a:ext>
+            </a:extLst>
+          </p:cNvPr>
+          <p:cNvPicPr>
+            <a:picLocks noChangeAspect="1"/>
+          </p:cNvPicPr>
+          <p:nvPr/>
+        </p:nvPicPr>
+        <p:blipFill>
+          <a:blip r:embed="rId2">
+            <a:extLst>
+              <a:ext uri="{28A0092B-C50C-407E-A947-70E740481C1C}">
+                <a14:useLocalDpi xmlns:a14="http://schemas.microsoft.com/office/drawing/2010/main" val="0"/>
+              </a:ext>
+            </a:extLst>
+          </a:blip>
+          <a:srcRect/>
+          <a:stretch/>
+        </p:blipFill>
+        <p:spPr>
+          <a:xfrm>
+            <a:off x="0" y="95250"/>
+            <a:ext cx="12191999" cy="6667500"/>
+          </a:xfrm>
+          <a:prstGeom prst="rect">
+            <a:avLst/>
+          </a:prstGeom>
+        </p:spPr>
+      </p:pic>
+      <p:pic>
+        <p:nvPicPr>
+          <p:cNvPr id="7" name="그림 6">
+            <a:extLst>
+              <a:ext uri="{FF2B5EF4-FFF2-40B4-BE49-F238E27FC236}">
+                <a16:creationId xmlns:a16="http://schemas.microsoft.com/office/drawing/2014/main" id="{49EEF341-CA02-0FEA-102E-50CF3425F755}"/>
+              </a:ext>
+            </a:extLst>
+          </p:cNvPr>
+          <p:cNvPicPr>
+            <a:picLocks noChangeAspect="1"/>
+          </p:cNvPicPr>
+          <p:nvPr/>
+        </p:nvPicPr>
+        <p:blipFill>
+          <a:blip r:embed="rId3"/>
+          <a:stretch>
+            <a:fillRect/>
+          </a:stretch>
+        </p:blipFill>
+        <p:spPr>
+          <a:xfrm>
+            <a:off x="4943475" y="1213195"/>
+            <a:ext cx="547742" cy="3349839"/>
+          </a:xfrm>
+          <a:prstGeom prst="rect">
+            <a:avLst/>
+          </a:prstGeom>
+        </p:spPr>
+      </p:pic>
+      <p:pic>
+        <p:nvPicPr>
+          <p:cNvPr id="8" name="그림 7">
+            <a:extLst>
+              <a:ext uri="{FF2B5EF4-FFF2-40B4-BE49-F238E27FC236}">
+                <a16:creationId xmlns:a16="http://schemas.microsoft.com/office/drawing/2014/main" id="{8466543C-13E5-E27F-F293-FB2C88185FB6}"/>
+              </a:ext>
+            </a:extLst>
+          </p:cNvPr>
+          <p:cNvPicPr>
+            <a:picLocks noChangeAspect="1"/>
+          </p:cNvPicPr>
+          <p:nvPr/>
+        </p:nvPicPr>
+        <p:blipFill>
+          <a:blip r:embed="rId3"/>
+          <a:stretch>
+            <a:fillRect/>
+          </a:stretch>
+        </p:blipFill>
+        <p:spPr>
+          <a:xfrm>
+            <a:off x="4943475" y="4885766"/>
+            <a:ext cx="547742" cy="1405497"/>
+          </a:xfrm>
+          <a:prstGeom prst="rect">
+            <a:avLst/>
+          </a:prstGeom>
+        </p:spPr>
+      </p:pic>
+      <p:sp>
+        <p:nvSpPr>
+          <p:cNvPr id="12" name="TextBox 11">
+            <a:extLst>
+              <a:ext uri="{FF2B5EF4-FFF2-40B4-BE49-F238E27FC236}">
+                <a16:creationId xmlns:a16="http://schemas.microsoft.com/office/drawing/2014/main" id="{92DE08AD-523D-C6F6-939C-1083DE2D1229}"/>
+              </a:ext>
+            </a:extLst>
+          </p:cNvPr>
+          <p:cNvSpPr txBox="1"/>
+          <p:nvPr/>
+        </p:nvSpPr>
+        <p:spPr>
+          <a:xfrm>
+            <a:off x="4943475" y="708370"/>
+            <a:ext cx="3619500" cy="253211"/>
+          </a:xfrm>
+          <a:prstGeom prst="rect">
+            <a:avLst/>
+          </a:prstGeom>
+          <a:noFill/>
+        </p:spPr>
+        <p:txBody>
+          <a:bodyPr wrap="square">
+            <a:spAutoFit/>
+          </a:bodyPr>
+          <a:lstStyle/>
+          <a:p>
+            <a:pPr>
+              <a:lnSpc>
+                <a:spcPct val="150000"/>
+              </a:lnSpc>
+            </a:pPr>
+            <a:r>
+              <a:rPr lang="pt-BR" altLang="ko-KR" sz="800" b="0" i="0" u="none" strike="noStrike" dirty="0">
+                <a:solidFill>
+                  <a:schemeClr val="tx1"/>
+                </a:solidFill>
+                <a:effectLst/>
+                <a:ea typeface="맑은 고딕" panose="020B0503020000020004" pitchFamily="50" charset="-127"/>
+              </a:rPr>
+              <a:t>For </a:t>
+            </a:r>
+            <a:r>
+              <a:rPr lang="pt-BR" altLang="ko-KR" sz="800" b="0" i="0" u="none" strike="noStrike" dirty="0">
+                <a:solidFill>
+                  <a:srgbClr val="0000FF"/>
+                </a:solidFill>
+                <a:effectLst/>
+                <a:ea typeface="맑은 고딕" panose="020B0503020000020004" pitchFamily="50" charset="-127"/>
+              </a:rPr>
+              <a:t>H_SF_AR B01_EQ Fdn_EF3 2500x5800x300</a:t>
+            </a:r>
+            <a:endParaRPr lang="pt-BR" altLang="ko-KR" sz="800" dirty="0">
+              <a:solidFill>
+                <a:srgbClr val="0000FF"/>
+              </a:solidFill>
+            </a:endParaRPr>
+          </a:p>
+        </p:txBody>
+      </p:sp>
+      <p:graphicFrame>
+        <p:nvGraphicFramePr>
+          <p:cNvPr id="13" name="표 12">
+            <a:extLst>
+              <a:ext uri="{FF2B5EF4-FFF2-40B4-BE49-F238E27FC236}">
+                <a16:creationId xmlns:a16="http://schemas.microsoft.com/office/drawing/2014/main" id="{7C07499B-CEEB-7E35-BD16-CFDD882226A1}"/>
+              </a:ext>
+            </a:extLst>
+          </p:cNvPr>
+          <p:cNvGraphicFramePr>
+            <a:graphicFrameLocks noGrp="1"/>
+          </p:cNvGraphicFramePr>
+          <p:nvPr>
+            <p:extLst>
+              <p:ext uri="{D42A27DB-BD31-4B8C-83A1-F6EECF244321}">
+                <p14:modId xmlns:p14="http://schemas.microsoft.com/office/powerpoint/2010/main" val="544020080"/>
+              </p:ext>
+            </p:extLst>
+          </p:nvPr>
+        </p:nvGraphicFramePr>
+        <p:xfrm>
+          <a:off x="5055200" y="1284313"/>
+          <a:ext cx="1145576" cy="1257300"/>
+        </p:xfrm>
+        <a:graphic>
+          <a:graphicData uri="http://schemas.openxmlformats.org/drawingml/2006/table">
+            <a:tbl>
+              <a:tblPr firstRow="1" bandRow="1">
+                <a:tableStyleId>{5940675A-B579-460E-94D1-54222C63F5DA}</a:tableStyleId>
+              </a:tblPr>
+              <a:tblGrid>
+                <a:gridCol w="214366">
+                  <a:extLst>
+                    <a:ext uri="{9D8B030D-6E8A-4147-A177-3AD203B41FA5}">
+                      <a16:colId xmlns:a16="http://schemas.microsoft.com/office/drawing/2014/main" val="2880091077"/>
+                    </a:ext>
+                  </a:extLst>
+                </a:gridCol>
+                <a:gridCol w="931210">
+                  <a:extLst>
+                    <a:ext uri="{9D8B030D-6E8A-4147-A177-3AD203B41FA5}">
+                      <a16:colId xmlns:a16="http://schemas.microsoft.com/office/drawing/2014/main" val="2851344051"/>
+                    </a:ext>
+                  </a:extLst>
+                </a:gridCol>
+              </a:tblGrid>
+              <a:tr h="179382">
+                <a:tc>
+                  <a:txBody>
+                    <a:bodyPr/>
+                    <a:lstStyle/>
+                    <a:p>
+                      <a:pPr algn="ctr" latinLnBrk="1"/>
+                      <a:endParaRPr lang="ko-KR" altLang="en-US" sz="1050" dirty="0"/>
+                    </a:p>
+                  </a:txBody>
+                  <a:tcPr/>
+                </a:tc>
+                <a:tc>
+                  <a:txBody>
+                    <a:bodyPr/>
+                    <a:lstStyle/>
+                    <a:p>
+                      <a:pPr latinLnBrk="1"/>
+                      <a:r>
+                        <a:rPr lang="en-US" altLang="ko-KR" sz="700" dirty="0">
+                          <a:solidFill>
+                            <a:schemeClr val="tx1"/>
+                          </a:solidFill>
+                        </a:rPr>
+                        <a:t>RC-AG</a:t>
+                      </a:r>
+                      <a:endParaRPr lang="ko-KR" altLang="en-US" sz="700" dirty="0"/>
+                    </a:p>
+                  </a:txBody>
+                  <a:tcPr/>
+                </a:tc>
+                <a:extLst>
+                  <a:ext uri="{0D108BD9-81ED-4DB2-BD59-A6C34878D82A}">
+                    <a16:rowId xmlns:a16="http://schemas.microsoft.com/office/drawing/2014/main" val="258683091"/>
+                  </a:ext>
+                </a:extLst>
+              </a:tr>
+              <a:tr h="179382">
+                <a:tc>
+                  <a:txBody>
+                    <a:bodyPr/>
+                    <a:lstStyle/>
+                    <a:p>
+                      <a:pPr marL="0" marR="0" lvl="0" indent="0" algn="ctr" defTabSz="914400" rtl="0" eaLnBrk="1" fontAlgn="auto" latinLnBrk="1" hangingPunct="1">
+                        <a:lnSpc>
+                          <a:spcPct val="100000"/>
+                        </a:lnSpc>
+                        <a:spcBef>
+                          <a:spcPts val="0"/>
+                        </a:spcBef>
+                        <a:spcAft>
+                          <a:spcPts val="0"/>
+                        </a:spcAft>
+                        <a:buClrTx/>
+                        <a:buSzTx/>
+                        <a:buFontTx/>
+                        <a:buNone/>
+                        <a:tabLst/>
+                        <a:defRPr/>
+                      </a:pPr>
+                      <a:r>
+                        <a:rPr lang="ko-KR" altLang="en-US" sz="1050" dirty="0"/>
+                        <a:t>✓</a:t>
+                      </a:r>
+                    </a:p>
+                  </a:txBody>
+                  <a:tcPr/>
+                </a:tc>
+                <a:tc>
+                  <a:txBody>
+                    <a:bodyPr/>
+                    <a:lstStyle/>
+                    <a:p>
+                      <a:pPr marL="0" marR="0" lvl="0" indent="0" algn="l" defTabSz="914400" rtl="0" eaLnBrk="1" fontAlgn="auto" latinLnBrk="1" hangingPunct="1">
+                        <a:lnSpc>
+                          <a:spcPct val="100000"/>
+                        </a:lnSpc>
+                        <a:spcBef>
+                          <a:spcPts val="0"/>
+                        </a:spcBef>
+                        <a:spcAft>
+                          <a:spcPts val="0"/>
+                        </a:spcAft>
+                        <a:buClrTx/>
+                        <a:buSzTx/>
+                        <a:buFontTx/>
+                        <a:buNone/>
+                        <a:tabLst/>
+                        <a:defRPr/>
+                      </a:pPr>
+                      <a:r>
+                        <a:rPr lang="en-US" altLang="ko-KR" sz="700" dirty="0">
+                          <a:solidFill>
+                            <a:schemeClr val="tx1"/>
+                          </a:solidFill>
+                        </a:rPr>
+                        <a:t>RC-AG::30MPa</a:t>
+                      </a:r>
+                      <a:endParaRPr lang="ko-KR" altLang="en-US" sz="700" dirty="0">
+                        <a:solidFill>
+                          <a:schemeClr val="tx1"/>
+                        </a:solidFill>
+                      </a:endParaRPr>
+                    </a:p>
+                  </a:txBody>
+                  <a:tcPr/>
+                </a:tc>
+                <a:extLst>
+                  <a:ext uri="{0D108BD9-81ED-4DB2-BD59-A6C34878D82A}">
+                    <a16:rowId xmlns:a16="http://schemas.microsoft.com/office/drawing/2014/main" val="264297246"/>
+                  </a:ext>
+                </a:extLst>
+              </a:tr>
+              <a:tr h="179382">
+                <a:tc>
+                  <a:txBody>
+                    <a:bodyPr/>
+                    <a:lstStyle/>
+                    <a:p>
+                      <a:pPr algn="ctr" latinLnBrk="1"/>
+                      <a:endParaRPr lang="ko-KR" altLang="en-US" sz="1050"/>
+                    </a:p>
+                  </a:txBody>
+                  <a:tcPr/>
+                </a:tc>
+                <a:tc>
+                  <a:txBody>
+                    <a:bodyPr/>
+                    <a:lstStyle/>
+                    <a:p>
+                      <a:pPr latinLnBrk="1"/>
+                      <a:endParaRPr lang="ko-KR" altLang="en-US" sz="700" dirty="0"/>
+                    </a:p>
+                  </a:txBody>
+                  <a:tcPr/>
+                </a:tc>
+                <a:extLst>
+                  <a:ext uri="{0D108BD9-81ED-4DB2-BD59-A6C34878D82A}">
+                    <a16:rowId xmlns:a16="http://schemas.microsoft.com/office/drawing/2014/main" val="159775522"/>
+                  </a:ext>
+                </a:extLst>
+              </a:tr>
+              <a:tr h="179382">
+                <a:tc>
+                  <a:txBody>
+                    <a:bodyPr/>
+                    <a:lstStyle/>
+                    <a:p>
+                      <a:pPr algn="ctr" latinLnBrk="1"/>
+                      <a:endParaRPr lang="ko-KR" altLang="en-US" sz="1050"/>
+                    </a:p>
+                  </a:txBody>
+                  <a:tcPr/>
+                </a:tc>
+                <a:tc>
+                  <a:txBody>
+                    <a:bodyPr/>
+                    <a:lstStyle/>
+                    <a:p>
+                      <a:pPr latinLnBrk="1"/>
+                      <a:endParaRPr lang="ko-KR" altLang="en-US" sz="700" dirty="0"/>
+                    </a:p>
+                  </a:txBody>
+                  <a:tcPr/>
+                </a:tc>
+                <a:extLst>
+                  <a:ext uri="{0D108BD9-81ED-4DB2-BD59-A6C34878D82A}">
+                    <a16:rowId xmlns:a16="http://schemas.microsoft.com/office/drawing/2014/main" val="856595834"/>
+                  </a:ext>
+                </a:extLst>
+              </a:tr>
+              <a:tr h="179382">
+                <a:tc>
+                  <a:txBody>
+                    <a:bodyPr/>
+                    <a:lstStyle/>
+                    <a:p>
+                      <a:pPr algn="ctr" latinLnBrk="1"/>
+                      <a:endParaRPr lang="ko-KR" altLang="en-US" sz="1050" dirty="0"/>
+                    </a:p>
+                  </a:txBody>
+                  <a:tcPr/>
+                </a:tc>
+                <a:tc>
+                  <a:txBody>
+                    <a:bodyPr/>
+                    <a:lstStyle/>
+                    <a:p>
+                      <a:pPr latinLnBrk="1"/>
+                      <a:endParaRPr lang="ko-KR" altLang="en-US" sz="700" dirty="0"/>
+                    </a:p>
+                  </a:txBody>
+                  <a:tcPr/>
+                </a:tc>
+                <a:extLst>
+                  <a:ext uri="{0D108BD9-81ED-4DB2-BD59-A6C34878D82A}">
+                    <a16:rowId xmlns:a16="http://schemas.microsoft.com/office/drawing/2014/main" val="3584855405"/>
+                  </a:ext>
+                </a:extLst>
+              </a:tr>
+            </a:tbl>
+          </a:graphicData>
+        </a:graphic>
+      </p:graphicFrame>
+    </p:spTree>
+    <p:extLst>
+      <p:ext uri="{BB962C8B-B14F-4D97-AF65-F5344CB8AC3E}">
+        <p14:creationId xmlns:p14="http://schemas.microsoft.com/office/powerpoint/2010/main" val="580854807"/>
+      </p:ext>
+    </p:extLst>
+  </p:cSld>
+  <p:clrMapOvr>
+    <a:masterClrMapping/>
+  </p:clrMapOvr>
+</p:sld>
+</file>
+
 <file path=ppt/slides/slide4.xml><?xml version="1.0" encoding="utf-8"?>
 <p:sld xmlns:a="http://schemas.openxmlformats.org/drawingml/2006/main" xmlns:r="http://schemas.openxmlformats.org/officeDocument/2006/relationships" xmlns:p="http://schemas.openxmlformats.org/presentationml/2006/main">
   <p:cSld>

--- a/H_BimNote/화면정의서_.pptx
+++ b/H_BimNote/화면정의서_.pptx
@@ -35,6 +35,7 @@
     <p:sldId id="285" r:id="rId29"/>
     <p:sldId id="284" r:id="rId30"/>
     <p:sldId id="286" r:id="rId31"/>
+    <p:sldId id="287" r:id="rId32"/>
   </p:sldIdLst>
   <p:sldSz cx="12192000" cy="6858000"/>
   <p:notesSz cx="6858000" cy="9144000"/>
@@ -288,7 +289,7 @@
           <a:p>
             <a:fld id="{9DC0FBBE-1B54-474B-A1EF-57FEDE0B6A08}" type="datetimeFigureOut">
               <a:rPr lang="ko-KR" altLang="en-US" smtClean="0"/>
-              <a:t>2025-01-10</a:t>
+              <a:t>2025-01-11</a:t>
             </a:fld>
             <a:endParaRPr lang="ko-KR" altLang="en-US"/>
           </a:p>
@@ -486,7 +487,7 @@
           <a:p>
             <a:fld id="{9DC0FBBE-1B54-474B-A1EF-57FEDE0B6A08}" type="datetimeFigureOut">
               <a:rPr lang="ko-KR" altLang="en-US" smtClean="0"/>
-              <a:t>2025-01-10</a:t>
+              <a:t>2025-01-11</a:t>
             </a:fld>
             <a:endParaRPr lang="ko-KR" altLang="en-US"/>
           </a:p>
@@ -694,7 +695,7 @@
           <a:p>
             <a:fld id="{9DC0FBBE-1B54-474B-A1EF-57FEDE0B6A08}" type="datetimeFigureOut">
               <a:rPr lang="ko-KR" altLang="en-US" smtClean="0"/>
-              <a:t>2025-01-10</a:t>
+              <a:t>2025-01-11</a:t>
             </a:fld>
             <a:endParaRPr lang="ko-KR" altLang="en-US"/>
           </a:p>
@@ -892,7 +893,7 @@
           <a:p>
             <a:fld id="{9DC0FBBE-1B54-474B-A1EF-57FEDE0B6A08}" type="datetimeFigureOut">
               <a:rPr lang="ko-KR" altLang="en-US" smtClean="0"/>
-              <a:t>2025-01-10</a:t>
+              <a:t>2025-01-11</a:t>
             </a:fld>
             <a:endParaRPr lang="ko-KR" altLang="en-US"/>
           </a:p>
@@ -1167,7 +1168,7 @@
           <a:p>
             <a:fld id="{9DC0FBBE-1B54-474B-A1EF-57FEDE0B6A08}" type="datetimeFigureOut">
               <a:rPr lang="ko-KR" altLang="en-US" smtClean="0"/>
-              <a:t>2025-01-10</a:t>
+              <a:t>2025-01-11</a:t>
             </a:fld>
             <a:endParaRPr lang="ko-KR" altLang="en-US"/>
           </a:p>
@@ -1432,7 +1433,7 @@
           <a:p>
             <a:fld id="{9DC0FBBE-1B54-474B-A1EF-57FEDE0B6A08}" type="datetimeFigureOut">
               <a:rPr lang="ko-KR" altLang="en-US" smtClean="0"/>
-              <a:t>2025-01-10</a:t>
+              <a:t>2025-01-11</a:t>
             </a:fld>
             <a:endParaRPr lang="ko-KR" altLang="en-US"/>
           </a:p>
@@ -1844,7 +1845,7 @@
           <a:p>
             <a:fld id="{9DC0FBBE-1B54-474B-A1EF-57FEDE0B6A08}" type="datetimeFigureOut">
               <a:rPr lang="ko-KR" altLang="en-US" smtClean="0"/>
-              <a:t>2025-01-10</a:t>
+              <a:t>2025-01-11</a:t>
             </a:fld>
             <a:endParaRPr lang="ko-KR" altLang="en-US"/>
           </a:p>
@@ -1985,7 +1986,7 @@
           <a:p>
             <a:fld id="{9DC0FBBE-1B54-474B-A1EF-57FEDE0B6A08}" type="datetimeFigureOut">
               <a:rPr lang="ko-KR" altLang="en-US" smtClean="0"/>
-              <a:t>2025-01-10</a:t>
+              <a:t>2025-01-11</a:t>
             </a:fld>
             <a:endParaRPr lang="ko-KR" altLang="en-US"/>
           </a:p>
@@ -2098,7 +2099,7 @@
           <a:p>
             <a:fld id="{9DC0FBBE-1B54-474B-A1EF-57FEDE0B6A08}" type="datetimeFigureOut">
               <a:rPr lang="ko-KR" altLang="en-US" smtClean="0"/>
-              <a:t>2025-01-10</a:t>
+              <a:t>2025-01-11</a:t>
             </a:fld>
             <a:endParaRPr lang="ko-KR" altLang="en-US"/>
           </a:p>
@@ -2409,7 +2410,7 @@
           <a:p>
             <a:fld id="{9DC0FBBE-1B54-474B-A1EF-57FEDE0B6A08}" type="datetimeFigureOut">
               <a:rPr lang="ko-KR" altLang="en-US" smtClean="0"/>
-              <a:t>2025-01-10</a:t>
+              <a:t>2025-01-11</a:t>
             </a:fld>
             <a:endParaRPr lang="ko-KR" altLang="en-US"/>
           </a:p>
@@ -2697,7 +2698,7 @@
           <a:p>
             <a:fld id="{9DC0FBBE-1B54-474B-A1EF-57FEDE0B6A08}" type="datetimeFigureOut">
               <a:rPr lang="ko-KR" altLang="en-US" smtClean="0"/>
-              <a:t>2025-01-10</a:t>
+              <a:t>2025-01-11</a:t>
             </a:fld>
             <a:endParaRPr lang="ko-KR" altLang="en-US"/>
           </a:p>
@@ -2938,7 +2939,7 @@
           <a:p>
             <a:fld id="{9DC0FBBE-1B54-474B-A1EF-57FEDE0B6A08}" type="datetimeFigureOut">
               <a:rPr lang="ko-KR" altLang="en-US" smtClean="0"/>
-              <a:t>2025-01-10</a:t>
+              <a:t>2025-01-11</a:t>
             </a:fld>
             <a:endParaRPr lang="ko-KR" altLang="en-US"/>
           </a:p>
@@ -33821,10 +33822,1873 @@
           </a:graphicData>
         </a:graphic>
       </p:graphicFrame>
+      <p:sp>
+        <p:nvSpPr>
+          <p:cNvPr id="2" name="TextBox 1">
+            <a:extLst>
+              <a:ext uri="{FF2B5EF4-FFF2-40B4-BE49-F238E27FC236}">
+                <a16:creationId xmlns:a16="http://schemas.microsoft.com/office/drawing/2014/main" id="{63B5ED2B-BDD1-EB1F-CA08-476E9EC9E024}"/>
+              </a:ext>
+            </a:extLst>
+          </p:cNvPr>
+          <p:cNvSpPr txBox="1"/>
+          <p:nvPr/>
+        </p:nvSpPr>
+        <p:spPr>
+          <a:xfrm>
+            <a:off x="5174304" y="2573468"/>
+            <a:ext cx="438269" cy="169277"/>
+          </a:xfrm>
+          <a:prstGeom prst="rect">
+            <a:avLst/>
+          </a:prstGeom>
+          <a:solidFill>
+            <a:schemeClr val="accent1"/>
+          </a:solidFill>
+        </p:spPr>
+        <p:txBody>
+          <a:bodyPr wrap="square" rtlCol="0">
+            <a:spAutoFit/>
+          </a:bodyPr>
+          <a:lstStyle/>
+          <a:p>
+            <a:r>
+              <a:rPr lang="ko-KR" altLang="en-US" sz="500" dirty="0"/>
+              <a:t>복사하기</a:t>
+            </a:r>
+          </a:p>
+        </p:txBody>
+      </p:sp>
+      <p:sp>
+        <p:nvSpPr>
+          <p:cNvPr id="3" name="TextBox 2">
+            <a:extLst>
+              <a:ext uri="{FF2B5EF4-FFF2-40B4-BE49-F238E27FC236}">
+                <a16:creationId xmlns:a16="http://schemas.microsoft.com/office/drawing/2014/main" id="{854FBB42-FA3A-CE11-06F2-4CB105A9CB74}"/>
+              </a:ext>
+            </a:extLst>
+          </p:cNvPr>
+          <p:cNvSpPr txBox="1"/>
+          <p:nvPr/>
+        </p:nvSpPr>
+        <p:spPr>
+          <a:xfrm>
+            <a:off x="5680590" y="2573468"/>
+            <a:ext cx="438269" cy="169277"/>
+          </a:xfrm>
+          <a:prstGeom prst="rect">
+            <a:avLst/>
+          </a:prstGeom>
+          <a:solidFill>
+            <a:schemeClr val="accent1"/>
+          </a:solidFill>
+        </p:spPr>
+        <p:txBody>
+          <a:bodyPr wrap="square" rtlCol="0">
+            <a:spAutoFit/>
+          </a:bodyPr>
+          <a:lstStyle/>
+          <a:p>
+            <a:r>
+              <a:rPr lang="ko-KR" altLang="en-US" sz="500" dirty="0"/>
+              <a:t>삭제하기</a:t>
+            </a:r>
+          </a:p>
+        </p:txBody>
+      </p:sp>
     </p:spTree>
     <p:extLst>
       <p:ext uri="{BB962C8B-B14F-4D97-AF65-F5344CB8AC3E}">
         <p14:creationId xmlns:p14="http://schemas.microsoft.com/office/powerpoint/2010/main" val="580854807"/>
+      </p:ext>
+    </p:extLst>
+  </p:cSld>
+  <p:clrMapOvr>
+    <a:masterClrMapping/>
+  </p:clrMapOvr>
+</p:sld>
+</file>
+
+<file path=ppt/slides/slide31.xml><?xml version="1.0" encoding="utf-8"?>
+<p:sld xmlns:a="http://schemas.openxmlformats.org/drawingml/2006/main" xmlns:r="http://schemas.openxmlformats.org/officeDocument/2006/relationships" xmlns:p="http://schemas.openxmlformats.org/presentationml/2006/main">
+  <p:cSld>
+    <p:spTree>
+      <p:nvGrpSpPr>
+        <p:cNvPr id="1" name=""/>
+        <p:cNvGrpSpPr/>
+        <p:nvPr/>
+      </p:nvGrpSpPr>
+      <p:grpSpPr>
+        <a:xfrm>
+          <a:off x="0" y="0"/>
+          <a:ext cx="0" cy="0"/>
+          <a:chOff x="0" y="0"/>
+          <a:chExt cx="0" cy="0"/>
+        </a:xfrm>
+      </p:grpSpPr>
+      <p:pic>
+        <p:nvPicPr>
+          <p:cNvPr id="5" name="그림 4">
+            <a:extLst>
+              <a:ext uri="{FF2B5EF4-FFF2-40B4-BE49-F238E27FC236}">
+                <a16:creationId xmlns:a16="http://schemas.microsoft.com/office/drawing/2014/main" id="{808AEDE4-0CB6-A312-54DC-1AB09E28524E}"/>
+              </a:ext>
+            </a:extLst>
+          </p:cNvPr>
+          <p:cNvPicPr>
+            <a:picLocks noChangeAspect="1"/>
+          </p:cNvPicPr>
+          <p:nvPr/>
+        </p:nvPicPr>
+        <p:blipFill>
+          <a:blip r:embed="rId2"/>
+          <a:stretch>
+            <a:fillRect/>
+          </a:stretch>
+        </p:blipFill>
+        <p:spPr>
+          <a:xfrm>
+            <a:off x="0" y="460541"/>
+            <a:ext cx="12192000" cy="5936918"/>
+          </a:xfrm>
+          <a:prstGeom prst="rect">
+            <a:avLst/>
+          </a:prstGeom>
+        </p:spPr>
+      </p:pic>
+      <p:pic>
+        <p:nvPicPr>
+          <p:cNvPr id="9" name="그림 8">
+            <a:extLst>
+              <a:ext uri="{FF2B5EF4-FFF2-40B4-BE49-F238E27FC236}">
+                <a16:creationId xmlns:a16="http://schemas.microsoft.com/office/drawing/2014/main" id="{580B8ED4-2C84-166A-3678-7705F1C2E258}"/>
+              </a:ext>
+            </a:extLst>
+          </p:cNvPr>
+          <p:cNvPicPr>
+            <a:picLocks noChangeAspect="1"/>
+          </p:cNvPicPr>
+          <p:nvPr/>
+        </p:nvPicPr>
+        <p:blipFill>
+          <a:blip r:embed="rId3"/>
+          <a:stretch>
+            <a:fillRect/>
+          </a:stretch>
+        </p:blipFill>
+        <p:spPr>
+          <a:xfrm>
+            <a:off x="4998894" y="1577377"/>
+            <a:ext cx="547742" cy="3364078"/>
+          </a:xfrm>
+          <a:prstGeom prst="rect">
+            <a:avLst/>
+          </a:prstGeom>
+        </p:spPr>
+      </p:pic>
+      <p:pic>
+        <p:nvPicPr>
+          <p:cNvPr id="13" name="그림 12">
+            <a:extLst>
+              <a:ext uri="{FF2B5EF4-FFF2-40B4-BE49-F238E27FC236}">
+                <a16:creationId xmlns:a16="http://schemas.microsoft.com/office/drawing/2014/main" id="{BEAC6DE0-AE38-ABE1-A903-5B561CC93B9A}"/>
+              </a:ext>
+            </a:extLst>
+          </p:cNvPr>
+          <p:cNvPicPr>
+            <a:picLocks noChangeAspect="1"/>
+          </p:cNvPicPr>
+          <p:nvPr/>
+        </p:nvPicPr>
+        <p:blipFill>
+          <a:blip r:embed="rId4"/>
+          <a:stretch>
+            <a:fillRect/>
+          </a:stretch>
+        </p:blipFill>
+        <p:spPr>
+          <a:xfrm>
+            <a:off x="2426586" y="2920990"/>
+            <a:ext cx="2346432" cy="2248935"/>
+          </a:xfrm>
+          <a:prstGeom prst="rect">
+            <a:avLst/>
+          </a:prstGeom>
+        </p:spPr>
+      </p:pic>
+      <p:pic>
+        <p:nvPicPr>
+          <p:cNvPr id="7" name="그림 6">
+            <a:extLst>
+              <a:ext uri="{FF2B5EF4-FFF2-40B4-BE49-F238E27FC236}">
+                <a16:creationId xmlns:a16="http://schemas.microsoft.com/office/drawing/2014/main" id="{675D914B-21C7-9806-CE7B-3F31A59C1BC8}"/>
+              </a:ext>
+            </a:extLst>
+          </p:cNvPr>
+          <p:cNvPicPr>
+            <a:picLocks noChangeAspect="1"/>
+          </p:cNvPicPr>
+          <p:nvPr/>
+        </p:nvPicPr>
+        <p:blipFill>
+          <a:blip r:embed="rId5"/>
+          <a:stretch>
+            <a:fillRect/>
+          </a:stretch>
+        </p:blipFill>
+        <p:spPr>
+          <a:xfrm>
+            <a:off x="1971675" y="3168465"/>
+            <a:ext cx="778669" cy="167665"/>
+          </a:xfrm>
+          <a:prstGeom prst="rect">
+            <a:avLst/>
+          </a:prstGeom>
+        </p:spPr>
+      </p:pic>
+      <p:sp>
+        <p:nvSpPr>
+          <p:cNvPr id="8" name="TextBox 7">
+            <a:extLst>
+              <a:ext uri="{FF2B5EF4-FFF2-40B4-BE49-F238E27FC236}">
+                <a16:creationId xmlns:a16="http://schemas.microsoft.com/office/drawing/2014/main" id="{59312AAD-630D-126C-5FED-8B6F4D2F4D5D}"/>
+              </a:ext>
+            </a:extLst>
+          </p:cNvPr>
+          <p:cNvSpPr txBox="1"/>
+          <p:nvPr/>
+        </p:nvSpPr>
+        <p:spPr>
+          <a:xfrm>
+            <a:off x="2047875" y="3151850"/>
+            <a:ext cx="564578" cy="169277"/>
+          </a:xfrm>
+          <a:prstGeom prst="rect">
+            <a:avLst/>
+          </a:prstGeom>
+          <a:solidFill>
+            <a:schemeClr val="bg1"/>
+          </a:solidFill>
+        </p:spPr>
+        <p:txBody>
+          <a:bodyPr wrap="none" rtlCol="0">
+            <a:spAutoFit/>
+          </a:bodyPr>
+          <a:lstStyle/>
+          <a:p>
+            <a:r>
+              <a:rPr lang="en-US" altLang="ko-KR" sz="500" dirty="0"/>
+              <a:t>Add to stage</a:t>
+            </a:r>
+            <a:endParaRPr lang="ko-KR" altLang="en-US" sz="500" dirty="0"/>
+          </a:p>
+        </p:txBody>
+      </p:sp>
+      <p:graphicFrame>
+        <p:nvGraphicFramePr>
+          <p:cNvPr id="14" name="표 13">
+            <a:extLst>
+              <a:ext uri="{FF2B5EF4-FFF2-40B4-BE49-F238E27FC236}">
+                <a16:creationId xmlns:a16="http://schemas.microsoft.com/office/drawing/2014/main" id="{345FBC20-FD6E-0DDC-C96B-0DE2EFCF1DDC}"/>
+              </a:ext>
+            </a:extLst>
+          </p:cNvPr>
+          <p:cNvGraphicFramePr>
+            <a:graphicFrameLocks noGrp="1"/>
+          </p:cNvGraphicFramePr>
+          <p:nvPr>
+            <p:extLst>
+              <p:ext uri="{D42A27DB-BD31-4B8C-83A1-F6EECF244321}">
+                <p14:modId xmlns:p14="http://schemas.microsoft.com/office/powerpoint/2010/main" val="3199990348"/>
+              </p:ext>
+            </p:extLst>
+          </p:nvPr>
+        </p:nvGraphicFramePr>
+        <p:xfrm>
+          <a:off x="5039186" y="5282114"/>
+          <a:ext cx="1721833" cy="1275450"/>
+        </p:xfrm>
+        <a:graphic>
+          <a:graphicData uri="http://schemas.openxmlformats.org/drawingml/2006/table">
+            <a:tbl>
+              <a:tblPr firstRow="1" bandRow="1">
+                <a:tableStyleId>{5940675A-B579-460E-94D1-54222C63F5DA}</a:tableStyleId>
+              </a:tblPr>
+              <a:tblGrid>
+                <a:gridCol w="287699">
+                  <a:extLst>
+                    <a:ext uri="{9D8B030D-6E8A-4147-A177-3AD203B41FA5}">
+                      <a16:colId xmlns:a16="http://schemas.microsoft.com/office/drawing/2014/main" val="1698474946"/>
+                    </a:ext>
+                  </a:extLst>
+                </a:gridCol>
+                <a:gridCol w="717067">
+                  <a:extLst>
+                    <a:ext uri="{9D8B030D-6E8A-4147-A177-3AD203B41FA5}">
+                      <a16:colId xmlns:a16="http://schemas.microsoft.com/office/drawing/2014/main" val="3223903013"/>
+                    </a:ext>
+                  </a:extLst>
+                </a:gridCol>
+                <a:gridCol w="717067">
+                  <a:extLst>
+                    <a:ext uri="{9D8B030D-6E8A-4147-A177-3AD203B41FA5}">
+                      <a16:colId xmlns:a16="http://schemas.microsoft.com/office/drawing/2014/main" val="2913029800"/>
+                    </a:ext>
+                  </a:extLst>
+                </a:gridCol>
+              </a:tblGrid>
+              <a:tr h="255090">
+                <a:tc>
+                  <a:txBody>
+                    <a:bodyPr/>
+                    <a:lstStyle/>
+                    <a:p>
+                      <a:pPr marL="0" marR="0" lvl="0" indent="0" algn="ctr" defTabSz="914400" rtl="0" eaLnBrk="1" fontAlgn="auto" latinLnBrk="1" hangingPunct="1">
+                        <a:lnSpc>
+                          <a:spcPct val="100000"/>
+                        </a:lnSpc>
+                        <a:spcBef>
+                          <a:spcPts val="0"/>
+                        </a:spcBef>
+                        <a:spcAft>
+                          <a:spcPts val="0"/>
+                        </a:spcAft>
+                        <a:buClrTx/>
+                        <a:buSzTx/>
+                        <a:buFontTx/>
+                        <a:buNone/>
+                        <a:tabLst/>
+                        <a:defRPr/>
+                      </a:pPr>
+                      <a:r>
+                        <a:rPr lang="ko-KR" altLang="en-US" sz="600" dirty="0"/>
+                        <a:t>✓</a:t>
+                      </a:r>
+                    </a:p>
+                  </a:txBody>
+                  <a:tcPr/>
+                </a:tc>
+                <a:tc>
+                  <a:txBody>
+                    <a:bodyPr/>
+                    <a:lstStyle/>
+                    <a:p>
+                      <a:pPr latinLnBrk="1"/>
+                      <a:r>
+                        <a:rPr lang="en-US" altLang="ko-KR" sz="600" dirty="0"/>
+                        <a:t>Floor</a:t>
+                      </a:r>
+                      <a:endParaRPr lang="ko-KR" altLang="en-US" sz="600" dirty="0"/>
+                    </a:p>
+                  </a:txBody>
+                  <a:tcPr/>
+                </a:tc>
+                <a:tc>
+                  <a:txBody>
+                    <a:bodyPr/>
+                    <a:lstStyle/>
+                    <a:p>
+                      <a:pPr latinLnBrk="1"/>
+                      <a:r>
+                        <a:rPr lang="en-US" altLang="ko-KR" sz="600" dirty="0" err="1"/>
+                        <a:t>Hardner</a:t>
+                      </a:r>
+                      <a:endParaRPr lang="ko-KR" altLang="en-US" sz="600" dirty="0"/>
+                    </a:p>
+                  </a:txBody>
+                  <a:tcPr/>
+                </a:tc>
+                <a:extLst>
+                  <a:ext uri="{0D108BD9-81ED-4DB2-BD59-A6C34878D82A}">
+                    <a16:rowId xmlns:a16="http://schemas.microsoft.com/office/drawing/2014/main" val="1749463744"/>
+                  </a:ext>
+                </a:extLst>
+              </a:tr>
+              <a:tr h="255090">
+                <a:tc>
+                  <a:txBody>
+                    <a:bodyPr/>
+                    <a:lstStyle/>
+                    <a:p>
+                      <a:pPr marL="0" marR="0" lvl="0" indent="0" algn="ctr" defTabSz="914400" rtl="0" eaLnBrk="1" fontAlgn="auto" latinLnBrk="1" hangingPunct="1">
+                        <a:lnSpc>
+                          <a:spcPct val="100000"/>
+                        </a:lnSpc>
+                        <a:spcBef>
+                          <a:spcPts val="0"/>
+                        </a:spcBef>
+                        <a:spcAft>
+                          <a:spcPts val="0"/>
+                        </a:spcAft>
+                        <a:buClrTx/>
+                        <a:buSzTx/>
+                        <a:buFontTx/>
+                        <a:buNone/>
+                        <a:tabLst/>
+                        <a:defRPr/>
+                      </a:pPr>
+                      <a:r>
+                        <a:rPr lang="ko-KR" altLang="en-US" sz="600" dirty="0"/>
+                        <a:t>✓</a:t>
+                      </a:r>
+                    </a:p>
+                  </a:txBody>
+                  <a:tcPr/>
+                </a:tc>
+                <a:tc>
+                  <a:txBody>
+                    <a:bodyPr/>
+                    <a:lstStyle/>
+                    <a:p>
+                      <a:pPr latinLnBrk="1"/>
+                      <a:r>
+                        <a:rPr lang="en-US" altLang="ko-KR" sz="600" dirty="0"/>
+                        <a:t>Floor::copy</a:t>
+                      </a:r>
+                      <a:endParaRPr lang="ko-KR" altLang="en-US" sz="600" dirty="0"/>
+                    </a:p>
+                  </a:txBody>
+                  <a:tcPr/>
+                </a:tc>
+                <a:tc>
+                  <a:txBody>
+                    <a:bodyPr/>
+                    <a:lstStyle/>
+                    <a:p>
+                      <a:pPr latinLnBrk="1"/>
+                      <a:r>
+                        <a:rPr lang="en-US" altLang="ko-KR" sz="600" dirty="0"/>
+                        <a:t>Paint AD</a:t>
+                      </a:r>
+                      <a:endParaRPr lang="ko-KR" altLang="en-US" sz="600" dirty="0"/>
+                    </a:p>
+                  </a:txBody>
+                  <a:tcPr/>
+                </a:tc>
+                <a:extLst>
+                  <a:ext uri="{0D108BD9-81ED-4DB2-BD59-A6C34878D82A}">
+                    <a16:rowId xmlns:a16="http://schemas.microsoft.com/office/drawing/2014/main" val="2194227760"/>
+                  </a:ext>
+                </a:extLst>
+              </a:tr>
+              <a:tr h="255090">
+                <a:tc>
+                  <a:txBody>
+                    <a:bodyPr/>
+                    <a:lstStyle/>
+                    <a:p>
+                      <a:pPr algn="ctr" latinLnBrk="1"/>
+                      <a:endParaRPr lang="ko-KR" altLang="en-US" sz="600" dirty="0"/>
+                    </a:p>
+                  </a:txBody>
+                  <a:tcPr/>
+                </a:tc>
+                <a:tc>
+                  <a:txBody>
+                    <a:bodyPr/>
+                    <a:lstStyle/>
+                    <a:p>
+                      <a:pPr latinLnBrk="1"/>
+                      <a:r>
+                        <a:rPr lang="en-US" altLang="ko-KR" sz="600" dirty="0"/>
+                        <a:t>Skirt</a:t>
+                      </a:r>
+                      <a:endParaRPr lang="ko-KR" altLang="en-US" sz="600" dirty="0"/>
+                    </a:p>
+                  </a:txBody>
+                  <a:tcPr/>
+                </a:tc>
+                <a:tc>
+                  <a:txBody>
+                    <a:bodyPr/>
+                    <a:lstStyle/>
+                    <a:p>
+                      <a:pPr latinLnBrk="1"/>
+                      <a:r>
+                        <a:rPr lang="en-US" altLang="ko-KR" sz="600" dirty="0"/>
+                        <a:t>Paint AE</a:t>
+                      </a:r>
+                      <a:endParaRPr lang="ko-KR" altLang="en-US" sz="600" dirty="0"/>
+                    </a:p>
+                  </a:txBody>
+                  <a:tcPr/>
+                </a:tc>
+                <a:extLst>
+                  <a:ext uri="{0D108BD9-81ED-4DB2-BD59-A6C34878D82A}">
+                    <a16:rowId xmlns:a16="http://schemas.microsoft.com/office/drawing/2014/main" val="643228861"/>
+                  </a:ext>
+                </a:extLst>
+              </a:tr>
+              <a:tr h="255090">
+                <a:tc>
+                  <a:txBody>
+                    <a:bodyPr/>
+                    <a:lstStyle/>
+                    <a:p>
+                      <a:pPr algn="ctr" latinLnBrk="1"/>
+                      <a:endParaRPr lang="ko-KR" altLang="en-US" sz="600" dirty="0"/>
+                    </a:p>
+                  </a:txBody>
+                  <a:tcPr/>
+                </a:tc>
+                <a:tc>
+                  <a:txBody>
+                    <a:bodyPr/>
+                    <a:lstStyle/>
+                    <a:p>
+                      <a:pPr latinLnBrk="1"/>
+                      <a:r>
+                        <a:rPr lang="en-US" altLang="ko-KR" sz="600" dirty="0"/>
+                        <a:t>Wall</a:t>
+                      </a:r>
+                      <a:endParaRPr lang="ko-KR" altLang="en-US" sz="600" dirty="0"/>
+                    </a:p>
+                  </a:txBody>
+                  <a:tcPr/>
+                </a:tc>
+                <a:tc>
+                  <a:txBody>
+                    <a:bodyPr/>
+                    <a:lstStyle/>
+                    <a:p>
+                      <a:pPr latinLnBrk="1"/>
+                      <a:endParaRPr lang="ko-KR" altLang="en-US" sz="600" dirty="0"/>
+                    </a:p>
+                  </a:txBody>
+                  <a:tcPr/>
+                </a:tc>
+                <a:extLst>
+                  <a:ext uri="{0D108BD9-81ED-4DB2-BD59-A6C34878D82A}">
+                    <a16:rowId xmlns:a16="http://schemas.microsoft.com/office/drawing/2014/main" val="2860604561"/>
+                  </a:ext>
+                </a:extLst>
+              </a:tr>
+              <a:tr h="255090">
+                <a:tc>
+                  <a:txBody>
+                    <a:bodyPr/>
+                    <a:lstStyle/>
+                    <a:p>
+                      <a:pPr algn="ctr" latinLnBrk="1"/>
+                      <a:endParaRPr lang="ko-KR" altLang="en-US" sz="600" dirty="0"/>
+                    </a:p>
+                  </a:txBody>
+                  <a:tcPr/>
+                </a:tc>
+                <a:tc>
+                  <a:txBody>
+                    <a:bodyPr/>
+                    <a:lstStyle/>
+                    <a:p>
+                      <a:pPr latinLnBrk="1"/>
+                      <a:r>
+                        <a:rPr lang="en-US" altLang="ko-KR" sz="600" dirty="0"/>
+                        <a:t>Ceiling</a:t>
+                      </a:r>
+                      <a:endParaRPr lang="ko-KR" altLang="en-US" sz="600" dirty="0"/>
+                    </a:p>
+                  </a:txBody>
+                  <a:tcPr/>
+                </a:tc>
+                <a:tc>
+                  <a:txBody>
+                    <a:bodyPr/>
+                    <a:lstStyle/>
+                    <a:p>
+                      <a:pPr latinLnBrk="1"/>
+                      <a:endParaRPr lang="ko-KR" altLang="en-US" sz="600" dirty="0"/>
+                    </a:p>
+                  </a:txBody>
+                  <a:tcPr/>
+                </a:tc>
+                <a:extLst>
+                  <a:ext uri="{0D108BD9-81ED-4DB2-BD59-A6C34878D82A}">
+                    <a16:rowId xmlns:a16="http://schemas.microsoft.com/office/drawing/2014/main" val="1147240752"/>
+                  </a:ext>
+                </a:extLst>
+              </a:tr>
+            </a:tbl>
+          </a:graphicData>
+        </a:graphic>
+      </p:graphicFrame>
+      <p:sp>
+        <p:nvSpPr>
+          <p:cNvPr id="16" name="이등변 삼각형 15">
+            <a:extLst>
+              <a:ext uri="{FF2B5EF4-FFF2-40B4-BE49-F238E27FC236}">
+                <a16:creationId xmlns:a16="http://schemas.microsoft.com/office/drawing/2014/main" id="{284E8417-0F46-13E0-55DB-B214628989BD}"/>
+              </a:ext>
+            </a:extLst>
+          </p:cNvPr>
+          <p:cNvSpPr/>
+          <p:nvPr/>
+        </p:nvSpPr>
+        <p:spPr>
+          <a:xfrm rot="10800000">
+            <a:off x="6672139" y="5314993"/>
+            <a:ext cx="65425" cy="45719"/>
+          </a:xfrm>
+          <a:prstGeom prst="triangle">
+            <a:avLst/>
+          </a:prstGeom>
+        </p:spPr>
+        <p:style>
+          <a:lnRef idx="2">
+            <a:schemeClr val="accent1">
+              <a:shade val="15000"/>
+            </a:schemeClr>
+          </a:lnRef>
+          <a:fillRef idx="1">
+            <a:schemeClr val="accent1"/>
+          </a:fillRef>
+          <a:effectRef idx="0">
+            <a:schemeClr val="accent1"/>
+          </a:effectRef>
+          <a:fontRef idx="minor">
+            <a:schemeClr val="lt1"/>
+          </a:fontRef>
+        </p:style>
+        <p:txBody>
+          <a:bodyPr rtlCol="0" anchor="ctr"/>
+          <a:lstStyle/>
+          <a:p>
+            <a:pPr algn="ctr"/>
+            <a:endParaRPr lang="ko-KR" altLang="en-US"/>
+          </a:p>
+        </p:txBody>
+      </p:sp>
+      <p:sp>
+        <p:nvSpPr>
+          <p:cNvPr id="17" name="이등변 삼각형 16">
+            <a:extLst>
+              <a:ext uri="{FF2B5EF4-FFF2-40B4-BE49-F238E27FC236}">
+                <a16:creationId xmlns:a16="http://schemas.microsoft.com/office/drawing/2014/main" id="{D32CF157-FA7F-8194-3FEA-D8B076ECDD48}"/>
+              </a:ext>
+            </a:extLst>
+          </p:cNvPr>
+          <p:cNvSpPr/>
+          <p:nvPr/>
+        </p:nvSpPr>
+        <p:spPr>
+          <a:xfrm rot="10800000">
+            <a:off x="6672139" y="5562643"/>
+            <a:ext cx="65425" cy="45719"/>
+          </a:xfrm>
+          <a:prstGeom prst="triangle">
+            <a:avLst/>
+          </a:prstGeom>
+        </p:spPr>
+        <p:style>
+          <a:lnRef idx="2">
+            <a:schemeClr val="accent1">
+              <a:shade val="15000"/>
+            </a:schemeClr>
+          </a:lnRef>
+          <a:fillRef idx="1">
+            <a:schemeClr val="accent1"/>
+          </a:fillRef>
+          <a:effectRef idx="0">
+            <a:schemeClr val="accent1"/>
+          </a:effectRef>
+          <a:fontRef idx="minor">
+            <a:schemeClr val="lt1"/>
+          </a:fontRef>
+        </p:style>
+        <p:txBody>
+          <a:bodyPr rtlCol="0" anchor="ctr"/>
+          <a:lstStyle/>
+          <a:p>
+            <a:pPr algn="ctr"/>
+            <a:endParaRPr lang="ko-KR" altLang="en-US"/>
+          </a:p>
+        </p:txBody>
+      </p:sp>
+      <p:sp>
+        <p:nvSpPr>
+          <p:cNvPr id="18" name="이등변 삼각형 17">
+            <a:extLst>
+              <a:ext uri="{FF2B5EF4-FFF2-40B4-BE49-F238E27FC236}">
+                <a16:creationId xmlns:a16="http://schemas.microsoft.com/office/drawing/2014/main" id="{4800BA2E-A3C5-963B-DCE8-7541707290F3}"/>
+              </a:ext>
+            </a:extLst>
+          </p:cNvPr>
+          <p:cNvSpPr/>
+          <p:nvPr/>
+        </p:nvSpPr>
+        <p:spPr>
+          <a:xfrm rot="10800000">
+            <a:off x="6672139" y="5835693"/>
+            <a:ext cx="65425" cy="45719"/>
+          </a:xfrm>
+          <a:prstGeom prst="triangle">
+            <a:avLst/>
+          </a:prstGeom>
+        </p:spPr>
+        <p:style>
+          <a:lnRef idx="2">
+            <a:schemeClr val="accent1">
+              <a:shade val="15000"/>
+            </a:schemeClr>
+          </a:lnRef>
+          <a:fillRef idx="1">
+            <a:schemeClr val="accent1"/>
+          </a:fillRef>
+          <a:effectRef idx="0">
+            <a:schemeClr val="accent1"/>
+          </a:effectRef>
+          <a:fontRef idx="minor">
+            <a:schemeClr val="lt1"/>
+          </a:fontRef>
+        </p:style>
+        <p:txBody>
+          <a:bodyPr rtlCol="0" anchor="ctr"/>
+          <a:lstStyle/>
+          <a:p>
+            <a:pPr algn="ctr"/>
+            <a:endParaRPr lang="ko-KR" altLang="en-US"/>
+          </a:p>
+        </p:txBody>
+      </p:sp>
+      <p:sp>
+        <p:nvSpPr>
+          <p:cNvPr id="19" name="이등변 삼각형 18">
+            <a:extLst>
+              <a:ext uri="{FF2B5EF4-FFF2-40B4-BE49-F238E27FC236}">
+                <a16:creationId xmlns:a16="http://schemas.microsoft.com/office/drawing/2014/main" id="{EC8A1A7B-8236-8502-2E7D-2DE62D35E60B}"/>
+              </a:ext>
+            </a:extLst>
+          </p:cNvPr>
+          <p:cNvSpPr/>
+          <p:nvPr/>
+        </p:nvSpPr>
+        <p:spPr>
+          <a:xfrm rot="10800000">
+            <a:off x="6672139" y="6089693"/>
+            <a:ext cx="65425" cy="45719"/>
+          </a:xfrm>
+          <a:prstGeom prst="triangle">
+            <a:avLst/>
+          </a:prstGeom>
+        </p:spPr>
+        <p:style>
+          <a:lnRef idx="2">
+            <a:schemeClr val="accent1">
+              <a:shade val="15000"/>
+            </a:schemeClr>
+          </a:lnRef>
+          <a:fillRef idx="1">
+            <a:schemeClr val="accent1"/>
+          </a:fillRef>
+          <a:effectRef idx="0">
+            <a:schemeClr val="accent1"/>
+          </a:effectRef>
+          <a:fontRef idx="minor">
+            <a:schemeClr val="lt1"/>
+          </a:fontRef>
+        </p:style>
+        <p:txBody>
+          <a:bodyPr rtlCol="0" anchor="ctr"/>
+          <a:lstStyle/>
+          <a:p>
+            <a:pPr algn="ctr"/>
+            <a:endParaRPr lang="ko-KR" altLang="en-US"/>
+          </a:p>
+        </p:txBody>
+      </p:sp>
+      <p:sp>
+        <p:nvSpPr>
+          <p:cNvPr id="20" name="이등변 삼각형 19">
+            <a:extLst>
+              <a:ext uri="{FF2B5EF4-FFF2-40B4-BE49-F238E27FC236}">
+                <a16:creationId xmlns:a16="http://schemas.microsoft.com/office/drawing/2014/main" id="{0F0B58E4-CC20-8155-596D-FA7D971FD90E}"/>
+              </a:ext>
+            </a:extLst>
+          </p:cNvPr>
+          <p:cNvSpPr/>
+          <p:nvPr/>
+        </p:nvSpPr>
+        <p:spPr>
+          <a:xfrm rot="10800000">
+            <a:off x="6672139" y="6337226"/>
+            <a:ext cx="65425" cy="45719"/>
+          </a:xfrm>
+          <a:prstGeom prst="triangle">
+            <a:avLst/>
+          </a:prstGeom>
+        </p:spPr>
+        <p:style>
+          <a:lnRef idx="2">
+            <a:schemeClr val="accent1">
+              <a:shade val="15000"/>
+            </a:schemeClr>
+          </a:lnRef>
+          <a:fillRef idx="1">
+            <a:schemeClr val="accent1"/>
+          </a:fillRef>
+          <a:effectRef idx="0">
+            <a:schemeClr val="accent1"/>
+          </a:effectRef>
+          <a:fontRef idx="minor">
+            <a:schemeClr val="lt1"/>
+          </a:fontRef>
+        </p:style>
+        <p:txBody>
+          <a:bodyPr rtlCol="0" anchor="ctr"/>
+          <a:lstStyle/>
+          <a:p>
+            <a:pPr algn="ctr"/>
+            <a:endParaRPr lang="ko-KR" altLang="en-US"/>
+          </a:p>
+        </p:txBody>
+      </p:sp>
+      <p:graphicFrame>
+        <p:nvGraphicFramePr>
+          <p:cNvPr id="21" name="표 20">
+            <a:extLst>
+              <a:ext uri="{FF2B5EF4-FFF2-40B4-BE49-F238E27FC236}">
+                <a16:creationId xmlns:a16="http://schemas.microsoft.com/office/drawing/2014/main" id="{453A5143-D031-1104-25C6-262B16D47680}"/>
+              </a:ext>
+            </a:extLst>
+          </p:cNvPr>
+          <p:cNvGraphicFramePr>
+            <a:graphicFrameLocks noGrp="1"/>
+          </p:cNvGraphicFramePr>
+          <p:nvPr>
+            <p:extLst>
+              <p:ext uri="{D42A27DB-BD31-4B8C-83A1-F6EECF244321}">
+                <p14:modId xmlns:p14="http://schemas.microsoft.com/office/powerpoint/2010/main" val="1266344693"/>
+              </p:ext>
+            </p:extLst>
+          </p:nvPr>
+        </p:nvGraphicFramePr>
+        <p:xfrm>
+          <a:off x="5039186" y="1595878"/>
+          <a:ext cx="1004766" cy="1275450"/>
+        </p:xfrm>
+        <a:graphic>
+          <a:graphicData uri="http://schemas.openxmlformats.org/drawingml/2006/table">
+            <a:tbl>
+              <a:tblPr firstRow="1" bandRow="1">
+                <a:tableStyleId>{5940675A-B579-460E-94D1-54222C63F5DA}</a:tableStyleId>
+              </a:tblPr>
+              <a:tblGrid>
+                <a:gridCol w="287699">
+                  <a:extLst>
+                    <a:ext uri="{9D8B030D-6E8A-4147-A177-3AD203B41FA5}">
+                      <a16:colId xmlns:a16="http://schemas.microsoft.com/office/drawing/2014/main" val="1698474946"/>
+                    </a:ext>
+                  </a:extLst>
+                </a:gridCol>
+                <a:gridCol w="717067">
+                  <a:extLst>
+                    <a:ext uri="{9D8B030D-6E8A-4147-A177-3AD203B41FA5}">
+                      <a16:colId xmlns:a16="http://schemas.microsoft.com/office/drawing/2014/main" val="3223903013"/>
+                    </a:ext>
+                  </a:extLst>
+                </a:gridCol>
+              </a:tblGrid>
+              <a:tr h="255090">
+                <a:tc>
+                  <a:txBody>
+                    <a:bodyPr/>
+                    <a:lstStyle/>
+                    <a:p>
+                      <a:pPr marL="0" marR="0" lvl="0" indent="0" algn="ctr" defTabSz="914400" rtl="0" eaLnBrk="1" fontAlgn="auto" latinLnBrk="1" hangingPunct="1">
+                        <a:lnSpc>
+                          <a:spcPct val="100000"/>
+                        </a:lnSpc>
+                        <a:spcBef>
+                          <a:spcPts val="0"/>
+                        </a:spcBef>
+                        <a:spcAft>
+                          <a:spcPts val="0"/>
+                        </a:spcAft>
+                        <a:buClrTx/>
+                        <a:buSzTx/>
+                        <a:buFontTx/>
+                        <a:buNone/>
+                        <a:tabLst/>
+                        <a:defRPr/>
+                      </a:pPr>
+                      <a:r>
+                        <a:rPr lang="ko-KR" altLang="en-US" sz="600" dirty="0"/>
+                        <a:t>✓</a:t>
+                      </a:r>
+                    </a:p>
+                  </a:txBody>
+                  <a:tcPr/>
+                </a:tc>
+                <a:tc>
+                  <a:txBody>
+                    <a:bodyPr/>
+                    <a:lstStyle/>
+                    <a:p>
+                      <a:pPr latinLnBrk="1"/>
+                      <a:r>
+                        <a:rPr lang="en-US" altLang="ko-KR" sz="600" dirty="0"/>
+                        <a:t>RC-AG</a:t>
+                      </a:r>
+                      <a:endParaRPr lang="ko-KR" altLang="en-US" sz="600" dirty="0"/>
+                    </a:p>
+                  </a:txBody>
+                  <a:tcPr/>
+                </a:tc>
+                <a:extLst>
+                  <a:ext uri="{0D108BD9-81ED-4DB2-BD59-A6C34878D82A}">
+                    <a16:rowId xmlns:a16="http://schemas.microsoft.com/office/drawing/2014/main" val="1749463744"/>
+                  </a:ext>
+                </a:extLst>
+              </a:tr>
+              <a:tr h="255090">
+                <a:tc>
+                  <a:txBody>
+                    <a:bodyPr/>
+                    <a:lstStyle/>
+                    <a:p>
+                      <a:pPr algn="ctr" latinLnBrk="1"/>
+                      <a:endParaRPr lang="ko-KR" altLang="en-US" sz="600" dirty="0"/>
+                    </a:p>
+                  </a:txBody>
+                  <a:tcPr/>
+                </a:tc>
+                <a:tc>
+                  <a:txBody>
+                    <a:bodyPr/>
+                    <a:lstStyle/>
+                    <a:p>
+                      <a:pPr latinLnBrk="1"/>
+                      <a:r>
+                        <a:rPr lang="en-US" altLang="ko-KR" sz="600" dirty="0"/>
+                        <a:t>RC-AG::30Mpa</a:t>
+                      </a:r>
+                      <a:endParaRPr lang="ko-KR" altLang="en-US" sz="600" dirty="0"/>
+                    </a:p>
+                  </a:txBody>
+                  <a:tcPr/>
+                </a:tc>
+                <a:extLst>
+                  <a:ext uri="{0D108BD9-81ED-4DB2-BD59-A6C34878D82A}">
+                    <a16:rowId xmlns:a16="http://schemas.microsoft.com/office/drawing/2014/main" val="643228861"/>
+                  </a:ext>
+                </a:extLst>
+              </a:tr>
+              <a:tr h="255090">
+                <a:tc>
+                  <a:txBody>
+                    <a:bodyPr/>
+                    <a:lstStyle/>
+                    <a:p>
+                      <a:pPr algn="ctr" latinLnBrk="1"/>
+                      <a:endParaRPr lang="ko-KR" altLang="en-US" sz="600" dirty="0"/>
+                    </a:p>
+                  </a:txBody>
+                  <a:tcPr/>
+                </a:tc>
+                <a:tc>
+                  <a:txBody>
+                    <a:bodyPr/>
+                    <a:lstStyle/>
+                    <a:p>
+                      <a:pPr latinLnBrk="1"/>
+                      <a:endParaRPr lang="ko-KR" altLang="en-US" sz="600" dirty="0"/>
+                    </a:p>
+                  </a:txBody>
+                  <a:tcPr/>
+                </a:tc>
+                <a:extLst>
+                  <a:ext uri="{0D108BD9-81ED-4DB2-BD59-A6C34878D82A}">
+                    <a16:rowId xmlns:a16="http://schemas.microsoft.com/office/drawing/2014/main" val="2860604561"/>
+                  </a:ext>
+                </a:extLst>
+              </a:tr>
+              <a:tr h="255090">
+                <a:tc>
+                  <a:txBody>
+                    <a:bodyPr/>
+                    <a:lstStyle/>
+                    <a:p>
+                      <a:pPr algn="ctr" latinLnBrk="1"/>
+                      <a:endParaRPr lang="ko-KR" altLang="en-US" sz="600" dirty="0"/>
+                    </a:p>
+                  </a:txBody>
+                  <a:tcPr/>
+                </a:tc>
+                <a:tc>
+                  <a:txBody>
+                    <a:bodyPr/>
+                    <a:lstStyle/>
+                    <a:p>
+                      <a:pPr latinLnBrk="1"/>
+                      <a:endParaRPr lang="ko-KR" altLang="en-US" sz="600" dirty="0"/>
+                    </a:p>
+                  </a:txBody>
+                  <a:tcPr/>
+                </a:tc>
+                <a:extLst>
+                  <a:ext uri="{0D108BD9-81ED-4DB2-BD59-A6C34878D82A}">
+                    <a16:rowId xmlns:a16="http://schemas.microsoft.com/office/drawing/2014/main" val="1147240752"/>
+                  </a:ext>
+                </a:extLst>
+              </a:tr>
+              <a:tr h="255090">
+                <a:tc>
+                  <a:txBody>
+                    <a:bodyPr/>
+                    <a:lstStyle/>
+                    <a:p>
+                      <a:pPr marL="0" marR="0" lvl="0" indent="0" algn="ctr" defTabSz="914400" rtl="0" eaLnBrk="1" fontAlgn="auto" latinLnBrk="1" hangingPunct="1">
+                        <a:lnSpc>
+                          <a:spcPct val="100000"/>
+                        </a:lnSpc>
+                        <a:spcBef>
+                          <a:spcPts val="0"/>
+                        </a:spcBef>
+                        <a:spcAft>
+                          <a:spcPts val="0"/>
+                        </a:spcAft>
+                        <a:buClrTx/>
+                        <a:buSzTx/>
+                        <a:buFontTx/>
+                        <a:buNone/>
+                        <a:tabLst/>
+                        <a:defRPr/>
+                      </a:pPr>
+                      <a:endParaRPr lang="ko-KR" altLang="en-US" sz="600" dirty="0"/>
+                    </a:p>
+                  </a:txBody>
+                  <a:tcPr/>
+                </a:tc>
+                <a:tc>
+                  <a:txBody>
+                    <a:bodyPr/>
+                    <a:lstStyle/>
+                    <a:p>
+                      <a:pPr latinLnBrk="1"/>
+                      <a:endParaRPr lang="ko-KR" altLang="en-US" sz="600" dirty="0"/>
+                    </a:p>
+                  </a:txBody>
+                  <a:tcPr/>
+                </a:tc>
+                <a:extLst>
+                  <a:ext uri="{0D108BD9-81ED-4DB2-BD59-A6C34878D82A}">
+                    <a16:rowId xmlns:a16="http://schemas.microsoft.com/office/drawing/2014/main" val="1214314555"/>
+                  </a:ext>
+                </a:extLst>
+              </a:tr>
+            </a:tbl>
+          </a:graphicData>
+        </a:graphic>
+      </p:graphicFrame>
+      <p:graphicFrame>
+        <p:nvGraphicFramePr>
+          <p:cNvPr id="22" name="표 21">
+            <a:extLst>
+              <a:ext uri="{FF2B5EF4-FFF2-40B4-BE49-F238E27FC236}">
+                <a16:creationId xmlns:a16="http://schemas.microsoft.com/office/drawing/2014/main" id="{E77F5A6C-C23E-9F8A-4469-F29205019251}"/>
+              </a:ext>
+            </a:extLst>
+          </p:cNvPr>
+          <p:cNvGraphicFramePr>
+            <a:graphicFrameLocks noGrp="1"/>
+          </p:cNvGraphicFramePr>
+          <p:nvPr>
+            <p:extLst>
+              <p:ext uri="{D42A27DB-BD31-4B8C-83A1-F6EECF244321}">
+                <p14:modId xmlns:p14="http://schemas.microsoft.com/office/powerpoint/2010/main" val="101833659"/>
+              </p:ext>
+            </p:extLst>
+          </p:nvPr>
+        </p:nvGraphicFramePr>
+        <p:xfrm>
+          <a:off x="6148050" y="1595878"/>
+          <a:ext cx="5297583" cy="1275450"/>
+        </p:xfrm>
+        <a:graphic>
+          <a:graphicData uri="http://schemas.openxmlformats.org/drawingml/2006/table">
+            <a:tbl>
+              <a:tblPr firstRow="1" bandRow="1">
+                <a:tableStyleId>{5940675A-B579-460E-94D1-54222C63F5DA}</a:tableStyleId>
+              </a:tblPr>
+              <a:tblGrid>
+                <a:gridCol w="661885">
+                  <a:extLst>
+                    <a:ext uri="{9D8B030D-6E8A-4147-A177-3AD203B41FA5}">
+                      <a16:colId xmlns:a16="http://schemas.microsoft.com/office/drawing/2014/main" val="1698474946"/>
+                    </a:ext>
+                  </a:extLst>
+                </a:gridCol>
+                <a:gridCol w="1114159">
+                  <a:extLst>
+                    <a:ext uri="{9D8B030D-6E8A-4147-A177-3AD203B41FA5}">
+                      <a16:colId xmlns:a16="http://schemas.microsoft.com/office/drawing/2014/main" val="3223903013"/>
+                    </a:ext>
+                  </a:extLst>
+                </a:gridCol>
+                <a:gridCol w="1505656">
+                  <a:extLst>
+                    <a:ext uri="{9D8B030D-6E8A-4147-A177-3AD203B41FA5}">
+                      <a16:colId xmlns:a16="http://schemas.microsoft.com/office/drawing/2014/main" val="3979416800"/>
+                    </a:ext>
+                  </a:extLst>
+                </a:gridCol>
+                <a:gridCol w="981075">
+                  <a:extLst>
+                    <a:ext uri="{9D8B030D-6E8A-4147-A177-3AD203B41FA5}">
+                      <a16:colId xmlns:a16="http://schemas.microsoft.com/office/drawing/2014/main" val="868763995"/>
+                    </a:ext>
+                  </a:extLst>
+                </a:gridCol>
+                <a:gridCol w="1034808">
+                  <a:extLst>
+                    <a:ext uri="{9D8B030D-6E8A-4147-A177-3AD203B41FA5}">
+                      <a16:colId xmlns:a16="http://schemas.microsoft.com/office/drawing/2014/main" val="1692132118"/>
+                    </a:ext>
+                  </a:extLst>
+                </a:gridCol>
+              </a:tblGrid>
+              <a:tr h="255090">
+                <a:tc>
+                  <a:txBody>
+                    <a:bodyPr/>
+                    <a:lstStyle/>
+                    <a:p>
+                      <a:pPr marL="0" marR="0" lvl="0" indent="0" algn="ctr" defTabSz="914400" rtl="0" eaLnBrk="1" fontAlgn="auto" latinLnBrk="1" hangingPunct="1">
+                        <a:lnSpc>
+                          <a:spcPct val="100000"/>
+                        </a:lnSpc>
+                        <a:spcBef>
+                          <a:spcPts val="0"/>
+                        </a:spcBef>
+                        <a:spcAft>
+                          <a:spcPts val="0"/>
+                        </a:spcAft>
+                        <a:buClrTx/>
+                        <a:buSzTx/>
+                        <a:buFontTx/>
+                        <a:buNone/>
+                        <a:tabLst/>
+                        <a:defRPr/>
+                      </a:pPr>
+                      <a:r>
+                        <a:rPr lang="en-US" altLang="ko-KR" sz="600" dirty="0"/>
+                        <a:t>Concrete</a:t>
+                      </a:r>
+                      <a:endParaRPr lang="ko-KR" altLang="en-US" sz="600" dirty="0"/>
+                    </a:p>
+                  </a:txBody>
+                  <a:tcPr/>
+                </a:tc>
+                <a:tc>
+                  <a:txBody>
+                    <a:bodyPr/>
+                    <a:lstStyle/>
+                    <a:p>
+                      <a:pPr latinLnBrk="1"/>
+                      <a:r>
+                        <a:rPr lang="en-US" altLang="ko-KR" sz="600" dirty="0"/>
+                        <a:t>A03AF032-00018</a:t>
+                      </a:r>
+                      <a:endParaRPr lang="ko-KR" altLang="en-US" sz="600" dirty="0"/>
+                    </a:p>
+                  </a:txBody>
+                  <a:tcPr/>
+                </a:tc>
+                <a:tc>
+                  <a:txBody>
+                    <a:bodyPr/>
+                    <a:lstStyle/>
+                    <a:p>
+                      <a:pPr latinLnBrk="1"/>
+                      <a:endParaRPr lang="ko-KR" altLang="en-US" sz="600" dirty="0"/>
+                    </a:p>
+                  </a:txBody>
+                  <a:tcPr/>
+                </a:tc>
+                <a:tc>
+                  <a:txBody>
+                    <a:bodyPr/>
+                    <a:lstStyle/>
+                    <a:p>
+                      <a:pPr latinLnBrk="1"/>
+                      <a:endParaRPr lang="ko-KR" altLang="en-US" sz="600" dirty="0"/>
+                    </a:p>
+                  </a:txBody>
+                  <a:tcPr/>
+                </a:tc>
+                <a:tc>
+                  <a:txBody>
+                    <a:bodyPr/>
+                    <a:lstStyle/>
+                    <a:p>
+                      <a:pPr latinLnBrk="1"/>
+                      <a:endParaRPr lang="ko-KR" altLang="en-US" sz="600" dirty="0"/>
+                    </a:p>
+                  </a:txBody>
+                  <a:tcPr/>
+                </a:tc>
+                <a:extLst>
+                  <a:ext uri="{0D108BD9-81ED-4DB2-BD59-A6C34878D82A}">
+                    <a16:rowId xmlns:a16="http://schemas.microsoft.com/office/drawing/2014/main" val="1749463744"/>
+                  </a:ext>
+                </a:extLst>
+              </a:tr>
+              <a:tr h="255090">
+                <a:tc>
+                  <a:txBody>
+                    <a:bodyPr/>
+                    <a:lstStyle/>
+                    <a:p>
+                      <a:pPr algn="ctr" latinLnBrk="1"/>
+                      <a:r>
+                        <a:rPr lang="en-US" altLang="ko-KR" sz="600" dirty="0"/>
+                        <a:t>Form1</a:t>
+                      </a:r>
+                      <a:endParaRPr lang="ko-KR" altLang="en-US" sz="600" dirty="0"/>
+                    </a:p>
+                  </a:txBody>
+                  <a:tcPr/>
+                </a:tc>
+                <a:tc>
+                  <a:txBody>
+                    <a:bodyPr/>
+                    <a:lstStyle/>
+                    <a:p>
+                      <a:pPr latinLnBrk="1"/>
+                      <a:r>
+                        <a:rPr lang="en-US" altLang="ko-KR" sz="600" dirty="0"/>
+                        <a:t>A03AF036-00001</a:t>
+                      </a:r>
+                      <a:endParaRPr lang="ko-KR" altLang="en-US" sz="600" dirty="0"/>
+                    </a:p>
+                  </a:txBody>
+                  <a:tcPr/>
+                </a:tc>
+                <a:tc>
+                  <a:txBody>
+                    <a:bodyPr/>
+                    <a:lstStyle/>
+                    <a:p>
+                      <a:pPr latinLnBrk="1"/>
+                      <a:endParaRPr lang="ko-KR" altLang="en-US" sz="600" dirty="0"/>
+                    </a:p>
+                  </a:txBody>
+                  <a:tcPr/>
+                </a:tc>
+                <a:tc>
+                  <a:txBody>
+                    <a:bodyPr/>
+                    <a:lstStyle/>
+                    <a:p>
+                      <a:pPr latinLnBrk="1"/>
+                      <a:endParaRPr lang="ko-KR" altLang="en-US" sz="600" dirty="0"/>
+                    </a:p>
+                  </a:txBody>
+                  <a:tcPr/>
+                </a:tc>
+                <a:tc>
+                  <a:txBody>
+                    <a:bodyPr/>
+                    <a:lstStyle/>
+                    <a:p>
+                      <a:pPr latinLnBrk="1"/>
+                      <a:endParaRPr lang="ko-KR" altLang="en-US" sz="600" dirty="0"/>
+                    </a:p>
+                  </a:txBody>
+                  <a:tcPr/>
+                </a:tc>
+                <a:extLst>
+                  <a:ext uri="{0D108BD9-81ED-4DB2-BD59-A6C34878D82A}">
+                    <a16:rowId xmlns:a16="http://schemas.microsoft.com/office/drawing/2014/main" val="643228861"/>
+                  </a:ext>
+                </a:extLst>
+              </a:tr>
+              <a:tr h="255090">
+                <a:tc>
+                  <a:txBody>
+                    <a:bodyPr/>
+                    <a:lstStyle/>
+                    <a:p>
+                      <a:pPr algn="ctr" latinLnBrk="1"/>
+                      <a:r>
+                        <a:rPr lang="en-US" altLang="ko-KR" sz="600" dirty="0"/>
+                        <a:t>Rebar</a:t>
+                      </a:r>
+                      <a:endParaRPr lang="ko-KR" altLang="en-US" sz="600" dirty="0"/>
+                    </a:p>
+                  </a:txBody>
+                  <a:tcPr/>
+                </a:tc>
+                <a:tc>
+                  <a:txBody>
+                    <a:bodyPr/>
+                    <a:lstStyle/>
+                    <a:p>
+                      <a:pPr latinLnBrk="1"/>
+                      <a:r>
+                        <a:rPr lang="en-US" altLang="ko-KR" sz="600" dirty="0"/>
+                        <a:t>A03AF037-00002</a:t>
+                      </a:r>
+                      <a:endParaRPr lang="ko-KR" altLang="en-US" sz="600" dirty="0"/>
+                    </a:p>
+                  </a:txBody>
+                  <a:tcPr/>
+                </a:tc>
+                <a:tc>
+                  <a:txBody>
+                    <a:bodyPr/>
+                    <a:lstStyle/>
+                    <a:p>
+                      <a:pPr latinLnBrk="1"/>
+                      <a:endParaRPr lang="ko-KR" altLang="en-US" sz="600" dirty="0"/>
+                    </a:p>
+                  </a:txBody>
+                  <a:tcPr/>
+                </a:tc>
+                <a:tc>
+                  <a:txBody>
+                    <a:bodyPr/>
+                    <a:lstStyle/>
+                    <a:p>
+                      <a:pPr latinLnBrk="1"/>
+                      <a:endParaRPr lang="ko-KR" altLang="en-US" sz="600" dirty="0"/>
+                    </a:p>
+                  </a:txBody>
+                  <a:tcPr/>
+                </a:tc>
+                <a:tc>
+                  <a:txBody>
+                    <a:bodyPr/>
+                    <a:lstStyle/>
+                    <a:p>
+                      <a:pPr latinLnBrk="1"/>
+                      <a:endParaRPr lang="ko-KR" altLang="en-US" sz="600" dirty="0"/>
+                    </a:p>
+                  </a:txBody>
+                  <a:tcPr/>
+                </a:tc>
+                <a:extLst>
+                  <a:ext uri="{0D108BD9-81ED-4DB2-BD59-A6C34878D82A}">
+                    <a16:rowId xmlns:a16="http://schemas.microsoft.com/office/drawing/2014/main" val="2860604561"/>
+                  </a:ext>
+                </a:extLst>
+              </a:tr>
+              <a:tr h="255090">
+                <a:tc>
+                  <a:txBody>
+                    <a:bodyPr/>
+                    <a:lstStyle/>
+                    <a:p>
+                      <a:pPr algn="ctr" latinLnBrk="1"/>
+                      <a:endParaRPr lang="ko-KR" altLang="en-US" sz="600" dirty="0"/>
+                    </a:p>
+                  </a:txBody>
+                  <a:tcPr/>
+                </a:tc>
+                <a:tc>
+                  <a:txBody>
+                    <a:bodyPr/>
+                    <a:lstStyle/>
+                    <a:p>
+                      <a:pPr latinLnBrk="1"/>
+                      <a:endParaRPr lang="ko-KR" altLang="en-US" sz="600" dirty="0"/>
+                    </a:p>
+                  </a:txBody>
+                  <a:tcPr/>
+                </a:tc>
+                <a:tc>
+                  <a:txBody>
+                    <a:bodyPr/>
+                    <a:lstStyle/>
+                    <a:p>
+                      <a:pPr latinLnBrk="1"/>
+                      <a:endParaRPr lang="ko-KR" altLang="en-US" sz="600" dirty="0"/>
+                    </a:p>
+                  </a:txBody>
+                  <a:tcPr/>
+                </a:tc>
+                <a:tc>
+                  <a:txBody>
+                    <a:bodyPr/>
+                    <a:lstStyle/>
+                    <a:p>
+                      <a:pPr latinLnBrk="1"/>
+                      <a:endParaRPr lang="ko-KR" altLang="en-US" sz="600" dirty="0"/>
+                    </a:p>
+                  </a:txBody>
+                  <a:tcPr/>
+                </a:tc>
+                <a:tc>
+                  <a:txBody>
+                    <a:bodyPr/>
+                    <a:lstStyle/>
+                    <a:p>
+                      <a:pPr latinLnBrk="1"/>
+                      <a:endParaRPr lang="ko-KR" altLang="en-US" sz="600" dirty="0"/>
+                    </a:p>
+                  </a:txBody>
+                  <a:tcPr/>
+                </a:tc>
+                <a:extLst>
+                  <a:ext uri="{0D108BD9-81ED-4DB2-BD59-A6C34878D82A}">
+                    <a16:rowId xmlns:a16="http://schemas.microsoft.com/office/drawing/2014/main" val="1147240752"/>
+                  </a:ext>
+                </a:extLst>
+              </a:tr>
+              <a:tr h="255090">
+                <a:tc>
+                  <a:txBody>
+                    <a:bodyPr/>
+                    <a:lstStyle/>
+                    <a:p>
+                      <a:pPr marL="0" marR="0" lvl="0" indent="0" algn="ctr" defTabSz="914400" rtl="0" eaLnBrk="1" fontAlgn="auto" latinLnBrk="1" hangingPunct="1">
+                        <a:lnSpc>
+                          <a:spcPct val="100000"/>
+                        </a:lnSpc>
+                        <a:spcBef>
+                          <a:spcPts val="0"/>
+                        </a:spcBef>
+                        <a:spcAft>
+                          <a:spcPts val="0"/>
+                        </a:spcAft>
+                        <a:buClrTx/>
+                        <a:buSzTx/>
+                        <a:buFontTx/>
+                        <a:buNone/>
+                        <a:tabLst/>
+                        <a:defRPr/>
+                      </a:pPr>
+                      <a:endParaRPr lang="ko-KR" altLang="en-US" sz="600" dirty="0"/>
+                    </a:p>
+                  </a:txBody>
+                  <a:tcPr/>
+                </a:tc>
+                <a:tc>
+                  <a:txBody>
+                    <a:bodyPr/>
+                    <a:lstStyle/>
+                    <a:p>
+                      <a:pPr latinLnBrk="1"/>
+                      <a:endParaRPr lang="ko-KR" altLang="en-US" sz="600" dirty="0"/>
+                    </a:p>
+                  </a:txBody>
+                  <a:tcPr/>
+                </a:tc>
+                <a:tc>
+                  <a:txBody>
+                    <a:bodyPr/>
+                    <a:lstStyle/>
+                    <a:p>
+                      <a:pPr latinLnBrk="1"/>
+                      <a:endParaRPr lang="ko-KR" altLang="en-US" sz="600" dirty="0"/>
+                    </a:p>
+                  </a:txBody>
+                  <a:tcPr/>
+                </a:tc>
+                <a:tc>
+                  <a:txBody>
+                    <a:bodyPr/>
+                    <a:lstStyle/>
+                    <a:p>
+                      <a:pPr latinLnBrk="1"/>
+                      <a:endParaRPr lang="ko-KR" altLang="en-US" sz="600" dirty="0"/>
+                    </a:p>
+                  </a:txBody>
+                  <a:tcPr/>
+                </a:tc>
+                <a:tc>
+                  <a:txBody>
+                    <a:bodyPr/>
+                    <a:lstStyle/>
+                    <a:p>
+                      <a:pPr latinLnBrk="1"/>
+                      <a:endParaRPr lang="ko-KR" altLang="en-US" sz="600" dirty="0"/>
+                    </a:p>
+                  </a:txBody>
+                  <a:tcPr/>
+                </a:tc>
+                <a:extLst>
+                  <a:ext uri="{0D108BD9-81ED-4DB2-BD59-A6C34878D82A}">
+                    <a16:rowId xmlns:a16="http://schemas.microsoft.com/office/drawing/2014/main" val="1214314555"/>
+                  </a:ext>
+                </a:extLst>
+              </a:tr>
+            </a:tbl>
+          </a:graphicData>
+        </a:graphic>
+      </p:graphicFrame>
+      <p:graphicFrame>
+        <p:nvGraphicFramePr>
+          <p:cNvPr id="23" name="표 22">
+            <a:extLst>
+              <a:ext uri="{FF2B5EF4-FFF2-40B4-BE49-F238E27FC236}">
+                <a16:creationId xmlns:a16="http://schemas.microsoft.com/office/drawing/2014/main" id="{F616C214-BF68-53B8-BA67-AA08A0549004}"/>
+              </a:ext>
+            </a:extLst>
+          </p:cNvPr>
+          <p:cNvGraphicFramePr>
+            <a:graphicFrameLocks noGrp="1"/>
+          </p:cNvGraphicFramePr>
+          <p:nvPr>
+            <p:extLst>
+              <p:ext uri="{D42A27DB-BD31-4B8C-83A1-F6EECF244321}">
+                <p14:modId xmlns:p14="http://schemas.microsoft.com/office/powerpoint/2010/main" val="51294525"/>
+              </p:ext>
+            </p:extLst>
+          </p:nvPr>
+        </p:nvGraphicFramePr>
+        <p:xfrm>
+          <a:off x="6940309" y="5262122"/>
+          <a:ext cx="4505325" cy="1275450"/>
+        </p:xfrm>
+        <a:graphic>
+          <a:graphicData uri="http://schemas.openxmlformats.org/drawingml/2006/table">
+            <a:tbl>
+              <a:tblPr firstRow="1" bandRow="1">
+                <a:tableStyleId>{5940675A-B579-460E-94D1-54222C63F5DA}</a:tableStyleId>
+              </a:tblPr>
+              <a:tblGrid>
+                <a:gridCol w="923925">
+                  <a:extLst>
+                    <a:ext uri="{9D8B030D-6E8A-4147-A177-3AD203B41FA5}">
+                      <a16:colId xmlns:a16="http://schemas.microsoft.com/office/drawing/2014/main" val="3223903013"/>
+                    </a:ext>
+                  </a:extLst>
+                </a:gridCol>
+                <a:gridCol w="1552440">
+                  <a:extLst>
+                    <a:ext uri="{9D8B030D-6E8A-4147-A177-3AD203B41FA5}">
+                      <a16:colId xmlns:a16="http://schemas.microsoft.com/office/drawing/2014/main" val="3979416800"/>
+                    </a:ext>
+                  </a:extLst>
+                </a:gridCol>
+                <a:gridCol w="1014480">
+                  <a:extLst>
+                    <a:ext uri="{9D8B030D-6E8A-4147-A177-3AD203B41FA5}">
+                      <a16:colId xmlns:a16="http://schemas.microsoft.com/office/drawing/2014/main" val="868763995"/>
+                    </a:ext>
+                  </a:extLst>
+                </a:gridCol>
+                <a:gridCol w="1014480">
+                  <a:extLst>
+                    <a:ext uri="{9D8B030D-6E8A-4147-A177-3AD203B41FA5}">
+                      <a16:colId xmlns:a16="http://schemas.microsoft.com/office/drawing/2014/main" val="1692132118"/>
+                    </a:ext>
+                  </a:extLst>
+                </a:gridCol>
+              </a:tblGrid>
+              <a:tr h="255090">
+                <a:tc>
+                  <a:txBody>
+                    <a:bodyPr/>
+                    <a:lstStyle/>
+                    <a:p>
+                      <a:pPr latinLnBrk="1"/>
+                      <a:r>
+                        <a:rPr lang="en-US" altLang="ko-KR" sz="600" dirty="0"/>
+                        <a:t>A04AS173-00003</a:t>
+                      </a:r>
+                      <a:endParaRPr lang="ko-KR" altLang="en-US" sz="600" dirty="0"/>
+                    </a:p>
+                  </a:txBody>
+                  <a:tcPr/>
+                </a:tc>
+                <a:tc>
+                  <a:txBody>
+                    <a:bodyPr/>
+                    <a:lstStyle/>
+                    <a:p>
+                      <a:pPr latinLnBrk="1"/>
+                      <a:endParaRPr lang="ko-KR" altLang="en-US" sz="600" dirty="0"/>
+                    </a:p>
+                  </a:txBody>
+                  <a:tcPr/>
+                </a:tc>
+                <a:tc>
+                  <a:txBody>
+                    <a:bodyPr/>
+                    <a:lstStyle/>
+                    <a:p>
+                      <a:pPr latinLnBrk="1"/>
+                      <a:endParaRPr lang="ko-KR" altLang="en-US" sz="600" dirty="0"/>
+                    </a:p>
+                  </a:txBody>
+                  <a:tcPr/>
+                </a:tc>
+                <a:tc>
+                  <a:txBody>
+                    <a:bodyPr/>
+                    <a:lstStyle/>
+                    <a:p>
+                      <a:pPr latinLnBrk="1"/>
+                      <a:endParaRPr lang="ko-KR" altLang="en-US" sz="600" dirty="0"/>
+                    </a:p>
+                  </a:txBody>
+                  <a:tcPr/>
+                </a:tc>
+                <a:extLst>
+                  <a:ext uri="{0D108BD9-81ED-4DB2-BD59-A6C34878D82A}">
+                    <a16:rowId xmlns:a16="http://schemas.microsoft.com/office/drawing/2014/main" val="1749463744"/>
+                  </a:ext>
+                </a:extLst>
+              </a:tr>
+              <a:tr h="255090">
+                <a:tc>
+                  <a:txBody>
+                    <a:bodyPr/>
+                    <a:lstStyle/>
+                    <a:p>
+                      <a:pPr latinLnBrk="1"/>
+                      <a:r>
+                        <a:rPr lang="en-US" altLang="ko-KR" sz="600" dirty="0"/>
+                        <a:t>A04AM080-00005</a:t>
+                      </a:r>
+                      <a:endParaRPr lang="ko-KR" altLang="en-US" sz="600" dirty="0"/>
+                    </a:p>
+                  </a:txBody>
+                  <a:tcPr/>
+                </a:tc>
+                <a:tc>
+                  <a:txBody>
+                    <a:bodyPr/>
+                    <a:lstStyle/>
+                    <a:p>
+                      <a:pPr latinLnBrk="1"/>
+                      <a:endParaRPr lang="ko-KR" altLang="en-US" sz="600" dirty="0"/>
+                    </a:p>
+                  </a:txBody>
+                  <a:tcPr/>
+                </a:tc>
+                <a:tc>
+                  <a:txBody>
+                    <a:bodyPr/>
+                    <a:lstStyle/>
+                    <a:p>
+                      <a:pPr latinLnBrk="1"/>
+                      <a:endParaRPr lang="ko-KR" altLang="en-US" sz="600" dirty="0"/>
+                    </a:p>
+                  </a:txBody>
+                  <a:tcPr/>
+                </a:tc>
+                <a:tc>
+                  <a:txBody>
+                    <a:bodyPr/>
+                    <a:lstStyle/>
+                    <a:p>
+                      <a:pPr latinLnBrk="1"/>
+                      <a:endParaRPr lang="ko-KR" altLang="en-US" sz="600" dirty="0"/>
+                    </a:p>
+                  </a:txBody>
+                  <a:tcPr/>
+                </a:tc>
+                <a:extLst>
+                  <a:ext uri="{0D108BD9-81ED-4DB2-BD59-A6C34878D82A}">
+                    <a16:rowId xmlns:a16="http://schemas.microsoft.com/office/drawing/2014/main" val="643228861"/>
+                  </a:ext>
+                </a:extLst>
+              </a:tr>
+              <a:tr h="255090">
+                <a:tc>
+                  <a:txBody>
+                    <a:bodyPr/>
+                    <a:lstStyle/>
+                    <a:p>
+                      <a:pPr latinLnBrk="1"/>
+                      <a:r>
+                        <a:rPr lang="en-US" altLang="ko-KR" sz="600" dirty="0"/>
+                        <a:t>A03AF037-00002</a:t>
+                      </a:r>
+                      <a:endParaRPr lang="ko-KR" altLang="en-US" sz="600" dirty="0"/>
+                    </a:p>
+                  </a:txBody>
+                  <a:tcPr/>
+                </a:tc>
+                <a:tc>
+                  <a:txBody>
+                    <a:bodyPr/>
+                    <a:lstStyle/>
+                    <a:p>
+                      <a:pPr latinLnBrk="1"/>
+                      <a:endParaRPr lang="ko-KR" altLang="en-US" sz="600" dirty="0"/>
+                    </a:p>
+                  </a:txBody>
+                  <a:tcPr/>
+                </a:tc>
+                <a:tc>
+                  <a:txBody>
+                    <a:bodyPr/>
+                    <a:lstStyle/>
+                    <a:p>
+                      <a:pPr latinLnBrk="1"/>
+                      <a:endParaRPr lang="ko-KR" altLang="en-US" sz="600" dirty="0"/>
+                    </a:p>
+                  </a:txBody>
+                  <a:tcPr/>
+                </a:tc>
+                <a:tc>
+                  <a:txBody>
+                    <a:bodyPr/>
+                    <a:lstStyle/>
+                    <a:p>
+                      <a:pPr latinLnBrk="1"/>
+                      <a:endParaRPr lang="ko-KR" altLang="en-US" sz="600" dirty="0"/>
+                    </a:p>
+                  </a:txBody>
+                  <a:tcPr/>
+                </a:tc>
+                <a:extLst>
+                  <a:ext uri="{0D108BD9-81ED-4DB2-BD59-A6C34878D82A}">
+                    <a16:rowId xmlns:a16="http://schemas.microsoft.com/office/drawing/2014/main" val="2860604561"/>
+                  </a:ext>
+                </a:extLst>
+              </a:tr>
+              <a:tr h="255090">
+                <a:tc>
+                  <a:txBody>
+                    <a:bodyPr/>
+                    <a:lstStyle/>
+                    <a:p>
+                      <a:pPr latinLnBrk="1"/>
+                      <a:endParaRPr lang="ko-KR" altLang="en-US" sz="600" dirty="0"/>
+                    </a:p>
+                  </a:txBody>
+                  <a:tcPr/>
+                </a:tc>
+                <a:tc>
+                  <a:txBody>
+                    <a:bodyPr/>
+                    <a:lstStyle/>
+                    <a:p>
+                      <a:pPr latinLnBrk="1"/>
+                      <a:endParaRPr lang="ko-KR" altLang="en-US" sz="600" dirty="0"/>
+                    </a:p>
+                  </a:txBody>
+                  <a:tcPr/>
+                </a:tc>
+                <a:tc>
+                  <a:txBody>
+                    <a:bodyPr/>
+                    <a:lstStyle/>
+                    <a:p>
+                      <a:pPr latinLnBrk="1"/>
+                      <a:endParaRPr lang="ko-KR" altLang="en-US" sz="600" dirty="0"/>
+                    </a:p>
+                  </a:txBody>
+                  <a:tcPr/>
+                </a:tc>
+                <a:tc>
+                  <a:txBody>
+                    <a:bodyPr/>
+                    <a:lstStyle/>
+                    <a:p>
+                      <a:pPr latinLnBrk="1"/>
+                      <a:endParaRPr lang="ko-KR" altLang="en-US" sz="600" dirty="0"/>
+                    </a:p>
+                  </a:txBody>
+                  <a:tcPr/>
+                </a:tc>
+                <a:extLst>
+                  <a:ext uri="{0D108BD9-81ED-4DB2-BD59-A6C34878D82A}">
+                    <a16:rowId xmlns:a16="http://schemas.microsoft.com/office/drawing/2014/main" val="1147240752"/>
+                  </a:ext>
+                </a:extLst>
+              </a:tr>
+              <a:tr h="255090">
+                <a:tc>
+                  <a:txBody>
+                    <a:bodyPr/>
+                    <a:lstStyle/>
+                    <a:p>
+                      <a:pPr latinLnBrk="1"/>
+                      <a:endParaRPr lang="ko-KR" altLang="en-US" sz="600" dirty="0"/>
+                    </a:p>
+                  </a:txBody>
+                  <a:tcPr/>
+                </a:tc>
+                <a:tc>
+                  <a:txBody>
+                    <a:bodyPr/>
+                    <a:lstStyle/>
+                    <a:p>
+                      <a:pPr latinLnBrk="1"/>
+                      <a:endParaRPr lang="ko-KR" altLang="en-US" sz="600" dirty="0"/>
+                    </a:p>
+                  </a:txBody>
+                  <a:tcPr/>
+                </a:tc>
+                <a:tc>
+                  <a:txBody>
+                    <a:bodyPr/>
+                    <a:lstStyle/>
+                    <a:p>
+                      <a:pPr latinLnBrk="1"/>
+                      <a:endParaRPr lang="ko-KR" altLang="en-US" sz="600" dirty="0"/>
+                    </a:p>
+                  </a:txBody>
+                  <a:tcPr/>
+                </a:tc>
+                <a:tc>
+                  <a:txBody>
+                    <a:bodyPr/>
+                    <a:lstStyle/>
+                    <a:p>
+                      <a:pPr latinLnBrk="1"/>
+                      <a:endParaRPr lang="ko-KR" altLang="en-US" sz="600" dirty="0"/>
+                    </a:p>
+                  </a:txBody>
+                  <a:tcPr/>
+                </a:tc>
+                <a:extLst>
+                  <a:ext uri="{0D108BD9-81ED-4DB2-BD59-A6C34878D82A}">
+                    <a16:rowId xmlns:a16="http://schemas.microsoft.com/office/drawing/2014/main" val="1214314555"/>
+                  </a:ext>
+                </a:extLst>
+              </a:tr>
+            </a:tbl>
+          </a:graphicData>
+        </a:graphic>
+      </p:graphicFrame>
+      <p:sp>
+        <p:nvSpPr>
+          <p:cNvPr id="24" name="TextBox 23">
+            <a:extLst>
+              <a:ext uri="{FF2B5EF4-FFF2-40B4-BE49-F238E27FC236}">
+                <a16:creationId xmlns:a16="http://schemas.microsoft.com/office/drawing/2014/main" id="{D650CC74-B379-3DD3-5E94-4C5E97B29069}"/>
+              </a:ext>
+            </a:extLst>
+          </p:cNvPr>
+          <p:cNvSpPr txBox="1"/>
+          <p:nvPr/>
+        </p:nvSpPr>
+        <p:spPr>
+          <a:xfrm>
+            <a:off x="5379505" y="5111346"/>
+            <a:ext cx="324128" cy="169277"/>
+          </a:xfrm>
+          <a:prstGeom prst="rect">
+            <a:avLst/>
+          </a:prstGeom>
+          <a:solidFill>
+            <a:schemeClr val="bg1"/>
+          </a:solidFill>
+        </p:spPr>
+        <p:txBody>
+          <a:bodyPr wrap="none" rtlCol="0">
+            <a:spAutoFit/>
+          </a:bodyPr>
+          <a:lstStyle/>
+          <a:p>
+            <a:r>
+              <a:rPr lang="en-US" altLang="ko-KR" sz="500" dirty="0"/>
+              <a:t>copy</a:t>
+            </a:r>
+            <a:endParaRPr lang="ko-KR" altLang="en-US" sz="500" dirty="0"/>
+          </a:p>
+        </p:txBody>
+      </p:sp>
+    </p:spTree>
+    <p:extLst>
+      <p:ext uri="{BB962C8B-B14F-4D97-AF65-F5344CB8AC3E}">
+        <p14:creationId xmlns:p14="http://schemas.microsoft.com/office/powerpoint/2010/main" val="1083792834"/>
       </p:ext>
     </p:extLst>
   </p:cSld>
